--- a/Documents/SEPR_Group_D.pptx
+++ b/Documents/SEPR_Group_D.pptx
@@ -10,13 +10,15 @@
     <p:sldId id="264" r:id="rId4"/>
     <p:sldId id="258" r:id="rId5"/>
     <p:sldId id="267" r:id="rId6"/>
-    <p:sldId id="259" r:id="rId7"/>
-    <p:sldId id="260" r:id="rId8"/>
-    <p:sldId id="261" r:id="rId9"/>
-    <p:sldId id="262" r:id="rId10"/>
-    <p:sldId id="265" r:id="rId11"/>
-    <p:sldId id="266" r:id="rId12"/>
-    <p:sldId id="263" r:id="rId13"/>
+    <p:sldId id="265" r:id="rId7"/>
+    <p:sldId id="259" r:id="rId8"/>
+    <p:sldId id="268" r:id="rId9"/>
+    <p:sldId id="260" r:id="rId10"/>
+    <p:sldId id="261" r:id="rId11"/>
+    <p:sldId id="262" r:id="rId12"/>
+    <p:sldId id="266" r:id="rId13"/>
+    <p:sldId id="269" r:id="rId14"/>
+    <p:sldId id="263" r:id="rId15"/>
   </p:sldIdLst>
   <p:sldSz cx="12192000" cy="6858000"/>
   <p:notesSz cx="6858000" cy="9144000"/>
@@ -353,7 +355,7 @@
             <a:fld id="{B61BEF0D-F0BB-DE4B-95CE-6DB70DBA9567}" type="datetimeFigureOut">
               <a:rPr lang="en-US" dirty="0"/>
               <a:pPr/>
-              <a:t>10/19/2016</a:t>
+              <a:t>10/20/2016</a:t>
             </a:fld>
             <a:endParaRPr lang="en-US" dirty="0"/>
           </a:p>
@@ -684,7 +686,7 @@
             <a:fld id="{B61BEF0D-F0BB-DE4B-95CE-6DB70DBA9567}" type="datetimeFigureOut">
               <a:rPr lang="en-US" dirty="0"/>
               <a:pPr/>
-              <a:t>10/19/2016</a:t>
+              <a:t>10/20/2016</a:t>
             </a:fld>
             <a:endParaRPr lang="en-US" dirty="0"/>
           </a:p>
@@ -959,7 +961,7 @@
             <a:fld id="{B61BEF0D-F0BB-DE4B-95CE-6DB70DBA9567}" type="datetimeFigureOut">
               <a:rPr lang="en-US" dirty="0"/>
               <a:pPr/>
-              <a:t>10/19/2016</a:t>
+              <a:t>10/20/2016</a:t>
             </a:fld>
             <a:endParaRPr lang="en-US" dirty="0"/>
           </a:p>
@@ -1524,7 +1526,7 @@
             <a:fld id="{B61BEF0D-F0BB-DE4B-95CE-6DB70DBA9567}" type="datetimeFigureOut">
               <a:rPr lang="en-US" dirty="0"/>
               <a:pPr/>
-              <a:t>10/19/2016</a:t>
+              <a:t>10/20/2016</a:t>
             </a:fld>
             <a:endParaRPr lang="en-US" dirty="0"/>
           </a:p>
@@ -1799,7 +1801,7 @@
             <a:fld id="{B61BEF0D-F0BB-DE4B-95CE-6DB70DBA9567}" type="datetimeFigureOut">
               <a:rPr lang="en-US" dirty="0"/>
               <a:pPr/>
-              <a:t>10/19/2016</a:t>
+              <a:t>10/20/2016</a:t>
             </a:fld>
             <a:endParaRPr lang="en-US" dirty="0"/>
           </a:p>
@@ -2358,7 +2360,7 @@
             <a:fld id="{B61BEF0D-F0BB-DE4B-95CE-6DB70DBA9567}" type="datetimeFigureOut">
               <a:rPr lang="en-US" dirty="0"/>
               <a:pPr/>
-              <a:t>10/19/2016</a:t>
+              <a:t>10/20/2016</a:t>
             </a:fld>
             <a:endParaRPr lang="en-US" dirty="0"/>
           </a:p>
@@ -2682,7 +2684,7 @@
             <a:fld id="{B61BEF0D-F0BB-DE4B-95CE-6DB70DBA9567}" type="datetimeFigureOut">
               <a:rPr lang="en-US" dirty="0"/>
               <a:pPr/>
-              <a:t>10/19/2016</a:t>
+              <a:t>10/20/2016</a:t>
             </a:fld>
             <a:endParaRPr lang="en-US" dirty="0"/>
           </a:p>
@@ -2884,7 +2886,7 @@
             <a:fld id="{B61BEF0D-F0BB-DE4B-95CE-6DB70DBA9567}" type="datetimeFigureOut">
               <a:rPr lang="en-US" dirty="0"/>
               <a:pPr/>
-              <a:t>10/19/2016</a:t>
+              <a:t>10/20/2016</a:t>
             </a:fld>
             <a:endParaRPr lang="en-US" dirty="0"/>
           </a:p>
@@ -3091,7 +3093,7 @@
             <a:fld id="{B61BEF0D-F0BB-DE4B-95CE-6DB70DBA9567}" type="datetimeFigureOut">
               <a:rPr lang="en-US" dirty="0"/>
               <a:pPr/>
-              <a:t>10/19/2016</a:t>
+              <a:t>10/20/2016</a:t>
             </a:fld>
             <a:endParaRPr lang="en-US" dirty="0"/>
           </a:p>
@@ -3288,7 +3290,7 @@
             <a:fld id="{B61BEF0D-F0BB-DE4B-95CE-6DB70DBA9567}" type="datetimeFigureOut">
               <a:rPr lang="en-US" dirty="0"/>
               <a:pPr/>
-              <a:t>10/19/2016</a:t>
+              <a:t>10/20/2016</a:t>
             </a:fld>
             <a:endParaRPr lang="en-US" dirty="0"/>
           </a:p>
@@ -3561,7 +3563,7 @@
             <a:fld id="{B61BEF0D-F0BB-DE4B-95CE-6DB70DBA9567}" type="datetimeFigureOut">
               <a:rPr lang="en-US" dirty="0"/>
               <a:pPr/>
-              <a:t>10/19/2016</a:t>
+              <a:t>10/20/2016</a:t>
             </a:fld>
             <a:endParaRPr lang="en-US" dirty="0"/>
           </a:p>
@@ -3824,7 +3826,7 @@
             <a:fld id="{B61BEF0D-F0BB-DE4B-95CE-6DB70DBA9567}" type="datetimeFigureOut">
               <a:rPr lang="en-US" dirty="0"/>
               <a:pPr/>
-              <a:t>10/19/2016</a:t>
+              <a:t>10/20/2016</a:t>
             </a:fld>
             <a:endParaRPr lang="en-US" dirty="0"/>
           </a:p>
@@ -4195,7 +4197,7 @@
             <a:fld id="{B61BEF0D-F0BB-DE4B-95CE-6DB70DBA9567}" type="datetimeFigureOut">
               <a:rPr lang="en-US" dirty="0"/>
               <a:pPr/>
-              <a:t>10/19/2016</a:t>
+              <a:t>10/20/2016</a:t>
             </a:fld>
             <a:endParaRPr lang="en-US" dirty="0"/>
           </a:p>
@@ -4340,7 +4342,7 @@
             <a:fld id="{B61BEF0D-F0BB-DE4B-95CE-6DB70DBA9567}" type="datetimeFigureOut">
               <a:rPr lang="en-US" dirty="0"/>
               <a:pPr/>
-              <a:t>10/19/2016</a:t>
+              <a:t>10/20/2016</a:t>
             </a:fld>
             <a:endParaRPr lang="en-US" dirty="0"/>
           </a:p>
@@ -4462,7 +4464,7 @@
             <a:fld id="{B61BEF0D-F0BB-DE4B-95CE-6DB70DBA9567}" type="datetimeFigureOut">
               <a:rPr lang="en-US" dirty="0"/>
               <a:pPr/>
-              <a:t>10/19/2016</a:t>
+              <a:t>10/20/2016</a:t>
             </a:fld>
             <a:endParaRPr lang="en-US" dirty="0"/>
           </a:p>
@@ -4744,7 +4746,7 @@
             <a:fld id="{B61BEF0D-F0BB-DE4B-95CE-6DB70DBA9567}" type="datetimeFigureOut">
               <a:rPr lang="en-US" dirty="0"/>
               <a:pPr/>
-              <a:t>10/19/2016</a:t>
+              <a:t>10/20/2016</a:t>
             </a:fld>
             <a:endParaRPr lang="en-US" dirty="0"/>
           </a:p>
@@ -5065,7 +5067,7 @@
             <a:fld id="{B61BEF0D-F0BB-DE4B-95CE-6DB70DBA9567}" type="datetimeFigureOut">
               <a:rPr lang="en-US" dirty="0"/>
               <a:pPr/>
-              <a:t>10/19/2016</a:t>
+              <a:t>10/20/2016</a:t>
             </a:fld>
             <a:endParaRPr lang="en-US" dirty="0"/>
           </a:p>
@@ -5276,7 +5278,7 @@
             <a:fld id="{B61BEF0D-F0BB-DE4B-95CE-6DB70DBA9567}" type="datetimeFigureOut">
               <a:rPr lang="en-US" dirty="0"/>
               <a:pPr/>
-              <a:t>10/19/2016</a:t>
+              <a:t>10/20/2016</a:t>
             </a:fld>
             <a:endParaRPr lang="en-US" dirty="0"/>
           </a:p>
@@ -6065,94 +6067,1236 @@
       </p:grpSpPr>
       <p:sp>
         <p:nvSpPr>
-          <p:cNvPr id="2" name="Title 1"/>
+          <p:cNvPr id="2" name="标题 1"/>
           <p:cNvSpPr>
             <a:spLocks noGrp="1"/>
           </p:cNvSpPr>
           <p:nvPr>
             <p:ph type="title"/>
           </p:nvPr>
+        </p:nvSpPr>
+        <p:spPr/>
+        <p:txBody>
+          <a:bodyPr/>
+          <a:lstStyle/>
+          <a:p>
+            <a:r>
+              <a:rPr lang="en-US" altLang="zh-CN" dirty="0" smtClean="0"/>
+              <a:t>Comment</a:t>
+            </a:r>
+            <a:endParaRPr lang="zh-CN" altLang="en-US" dirty="0"/>
+          </a:p>
+        </p:txBody>
+      </p:sp>
+      <p:sp>
+        <p:nvSpPr>
+          <p:cNvPr id="4" name="内容占位符 2"/>
+          <p:cNvSpPr txBox="1">
+            <a:spLocks/>
+          </p:cNvSpPr>
+          <p:nvPr/>
         </p:nvSpPr>
         <p:spPr>
           <a:xfrm>
-            <a:off x="685801" y="609600"/>
-            <a:ext cx="10131425" cy="954505"/>
+            <a:off x="4523520" y="1976929"/>
+            <a:ext cx="7067118" cy="3013006"/>
           </a:xfrm>
+          <a:prstGeom prst="rect">
+            <a:avLst/>
+          </a:prstGeom>
         </p:spPr>
         <p:txBody>
-          <a:bodyPr/>
-          <a:lstStyle/>
-          <a:p>
-            <a:r>
-              <a:rPr lang="en-US" dirty="0" smtClean="0"/>
-              <a:t>Brute force and lookup tables</a:t>
-            </a:r>
-            <a:endParaRPr lang="bg-BG" dirty="0"/>
-          </a:p>
-        </p:txBody>
-      </p:sp>
-      <p:sp>
-        <p:nvSpPr>
-          <p:cNvPr id="4" name="Content Placeholder 3"/>
-          <p:cNvSpPr>
-            <a:spLocks noGrp="1"/>
-          </p:cNvSpPr>
-          <p:nvPr>
-            <p:ph idx="1"/>
-          </p:nvPr>
-        </p:nvSpPr>
-        <p:spPr/>
-        <p:txBody>
-          <a:bodyPr anchor="t"/>
-          <a:lstStyle/>
-          <a:p>
-            <a:r>
-              <a:rPr lang="en-US" dirty="0" smtClean="0"/>
-              <a:t>Can’t be prevented.</a:t>
-            </a:r>
-          </a:p>
-          <a:p>
-            <a:r>
-              <a:rPr lang="en-US" dirty="0" smtClean="0"/>
-              <a:t>Make it harder for the attacker.</a:t>
-            </a:r>
-          </a:p>
-          <a:p>
-            <a:r>
-              <a:rPr lang="en-US" dirty="0" smtClean="0"/>
-              <a:t>Add randomly generated salts to each user password and encrypt.</a:t>
-            </a:r>
-          </a:p>
-          <a:p>
-            <a:r>
-              <a:rPr lang="en-US" dirty="0" smtClean="0"/>
-              <a:t>Each user – different password.</a:t>
-            </a:r>
-            <a:endParaRPr lang="bg-BG" dirty="0"/>
-          </a:p>
-        </p:txBody>
-      </p:sp>
+          <a:bodyPr vert="horz" lIns="91440" tIns="45720" rIns="91440" bIns="45720" rtlCol="0" anchor="ctr">
+            <a:normAutofit/>
+          </a:bodyPr>
+          <a:lstStyle>
+            <a:lvl1pPr marL="285750" indent="-285750" algn="l" defTabSz="457200" rtl="0" eaLnBrk="1" latinLnBrk="0" hangingPunct="1">
+              <a:spcBef>
+                <a:spcPts val="0"/>
+              </a:spcBef>
+              <a:spcAft>
+                <a:spcPts val="1000"/>
+              </a:spcAft>
+              <a:buClr>
+                <a:schemeClr val="tx1"/>
+              </a:buClr>
+              <a:buSzPct val="100000"/>
+              <a:buFont typeface="Arial"/>
+              <a:buChar char="•"/>
+              <a:defRPr sz="1800" kern="1200" cap="none">
+                <a:solidFill>
+                  <a:schemeClr val="tx1"/>
+                </a:solidFill>
+                <a:effectLst/>
+                <a:latin typeface="+mn-lt"/>
+                <a:ea typeface="+mn-ea"/>
+                <a:cs typeface="+mn-cs"/>
+              </a:defRPr>
+            </a:lvl1pPr>
+            <a:lvl2pPr marL="742950" indent="-285750" algn="l" defTabSz="457200" rtl="0" eaLnBrk="1" latinLnBrk="0" hangingPunct="1">
+              <a:spcBef>
+                <a:spcPts val="0"/>
+              </a:spcBef>
+              <a:spcAft>
+                <a:spcPts val="1000"/>
+              </a:spcAft>
+              <a:buClr>
+                <a:schemeClr val="tx1"/>
+              </a:buClr>
+              <a:buSzPct val="100000"/>
+              <a:buFont typeface="Arial"/>
+              <a:buChar char="•"/>
+              <a:defRPr sz="1600" kern="1200" cap="none">
+                <a:solidFill>
+                  <a:schemeClr val="tx1"/>
+                </a:solidFill>
+                <a:effectLst/>
+                <a:latin typeface="+mn-lt"/>
+                <a:ea typeface="+mn-ea"/>
+                <a:cs typeface="+mn-cs"/>
+              </a:defRPr>
+            </a:lvl2pPr>
+            <a:lvl3pPr marL="1200150" indent="-285750" algn="l" defTabSz="457200" rtl="0" eaLnBrk="1" latinLnBrk="0" hangingPunct="1">
+              <a:spcBef>
+                <a:spcPts val="0"/>
+              </a:spcBef>
+              <a:spcAft>
+                <a:spcPts val="1000"/>
+              </a:spcAft>
+              <a:buClr>
+                <a:schemeClr val="tx1"/>
+              </a:buClr>
+              <a:buSzPct val="100000"/>
+              <a:buFont typeface="Arial"/>
+              <a:buChar char="•"/>
+              <a:defRPr sz="1400" kern="1200" cap="none">
+                <a:solidFill>
+                  <a:schemeClr val="tx1"/>
+                </a:solidFill>
+                <a:effectLst/>
+                <a:latin typeface="+mn-lt"/>
+                <a:ea typeface="+mn-ea"/>
+                <a:cs typeface="+mn-cs"/>
+              </a:defRPr>
+            </a:lvl3pPr>
+            <a:lvl4pPr marL="1543050" indent="-171450" algn="l" defTabSz="457200" rtl="0" eaLnBrk="1" latinLnBrk="0" hangingPunct="1">
+              <a:spcBef>
+                <a:spcPts val="0"/>
+              </a:spcBef>
+              <a:spcAft>
+                <a:spcPts val="1000"/>
+              </a:spcAft>
+              <a:buClr>
+                <a:schemeClr val="tx1"/>
+              </a:buClr>
+              <a:buSzPct val="100000"/>
+              <a:buFont typeface="Arial"/>
+              <a:buChar char="•"/>
+              <a:defRPr sz="1200" kern="1200" cap="none">
+                <a:solidFill>
+                  <a:schemeClr val="tx1"/>
+                </a:solidFill>
+                <a:effectLst/>
+                <a:latin typeface="+mn-lt"/>
+                <a:ea typeface="+mn-ea"/>
+                <a:cs typeface="+mn-cs"/>
+              </a:defRPr>
+            </a:lvl4pPr>
+            <a:lvl5pPr marL="2000250" indent="-171450" algn="l" defTabSz="457200" rtl="0" eaLnBrk="1" latinLnBrk="0" hangingPunct="1">
+              <a:spcBef>
+                <a:spcPts val="0"/>
+              </a:spcBef>
+              <a:spcAft>
+                <a:spcPts val="1000"/>
+              </a:spcAft>
+              <a:buClr>
+                <a:schemeClr val="tx1"/>
+              </a:buClr>
+              <a:buSzPct val="100000"/>
+              <a:buFont typeface="Arial"/>
+              <a:buChar char="•"/>
+              <a:defRPr sz="1200" kern="1200" cap="none">
+                <a:solidFill>
+                  <a:schemeClr val="tx1"/>
+                </a:solidFill>
+                <a:effectLst/>
+                <a:latin typeface="+mn-lt"/>
+                <a:ea typeface="+mn-ea"/>
+                <a:cs typeface="+mn-cs"/>
+              </a:defRPr>
+            </a:lvl5pPr>
+            <a:lvl6pPr marL="2514600" indent="-228600" algn="l" defTabSz="457200" rtl="0" eaLnBrk="1" latinLnBrk="0" hangingPunct="1">
+              <a:spcBef>
+                <a:spcPts val="0"/>
+              </a:spcBef>
+              <a:spcAft>
+                <a:spcPts val="1000"/>
+              </a:spcAft>
+              <a:buClr>
+                <a:schemeClr val="tx1"/>
+              </a:buClr>
+              <a:buSzPct val="100000"/>
+              <a:buFont typeface="Arial"/>
+              <a:buChar char="•"/>
+              <a:defRPr sz="1200" kern="1200" cap="none">
+                <a:solidFill>
+                  <a:schemeClr val="tx1"/>
+                </a:solidFill>
+                <a:effectLst/>
+                <a:latin typeface="+mn-lt"/>
+                <a:ea typeface="+mn-ea"/>
+                <a:cs typeface="+mn-cs"/>
+              </a:defRPr>
+            </a:lvl6pPr>
+            <a:lvl7pPr marL="2971800" indent="-228600" algn="l" defTabSz="457200" rtl="0" eaLnBrk="1" latinLnBrk="0" hangingPunct="1">
+              <a:spcBef>
+                <a:spcPts val="0"/>
+              </a:spcBef>
+              <a:spcAft>
+                <a:spcPts val="1000"/>
+              </a:spcAft>
+              <a:buClr>
+                <a:schemeClr val="tx1"/>
+              </a:buClr>
+              <a:buSzPct val="100000"/>
+              <a:buFont typeface="Arial"/>
+              <a:buChar char="•"/>
+              <a:defRPr sz="1200" kern="1200" cap="none">
+                <a:solidFill>
+                  <a:schemeClr val="tx1"/>
+                </a:solidFill>
+                <a:effectLst/>
+                <a:latin typeface="+mn-lt"/>
+                <a:ea typeface="+mn-ea"/>
+                <a:cs typeface="+mn-cs"/>
+              </a:defRPr>
+            </a:lvl7pPr>
+            <a:lvl8pPr marL="3429000" indent="-228600" algn="l" defTabSz="457200" rtl="0" eaLnBrk="1" latinLnBrk="0" hangingPunct="1">
+              <a:spcBef>
+                <a:spcPts val="0"/>
+              </a:spcBef>
+              <a:spcAft>
+                <a:spcPts val="1000"/>
+              </a:spcAft>
+              <a:buClr>
+                <a:schemeClr val="tx1"/>
+              </a:buClr>
+              <a:buSzPct val="100000"/>
+              <a:buFont typeface="Arial"/>
+              <a:buChar char="•"/>
+              <a:defRPr sz="1200" kern="1200" cap="none">
+                <a:solidFill>
+                  <a:schemeClr val="tx1"/>
+                </a:solidFill>
+                <a:effectLst/>
+                <a:latin typeface="+mn-lt"/>
+                <a:ea typeface="+mn-ea"/>
+                <a:cs typeface="+mn-cs"/>
+              </a:defRPr>
+            </a:lvl8pPr>
+            <a:lvl9pPr marL="3886200" indent="-228600" algn="l" defTabSz="457200" rtl="0" eaLnBrk="1" latinLnBrk="0" hangingPunct="1">
+              <a:spcBef>
+                <a:spcPts val="0"/>
+              </a:spcBef>
+              <a:spcAft>
+                <a:spcPts val="1000"/>
+              </a:spcAft>
+              <a:buClr>
+                <a:schemeClr val="tx1"/>
+              </a:buClr>
+              <a:buSzPct val="100000"/>
+              <a:buFont typeface="Arial"/>
+              <a:buChar char="•"/>
+              <a:defRPr sz="1200" kern="1200" cap="none">
+                <a:solidFill>
+                  <a:schemeClr val="tx1"/>
+                </a:solidFill>
+                <a:effectLst/>
+                <a:latin typeface="+mn-lt"/>
+                <a:ea typeface="+mn-ea"/>
+                <a:cs typeface="+mn-cs"/>
+              </a:defRPr>
+            </a:lvl9pPr>
+          </a:lstStyle>
+          <a:p>
+            <a:pPr marL="0" indent="0">
+              <a:buNone/>
+            </a:pPr>
+            <a:r>
+              <a:rPr lang="en-US" altLang="zh-CN" sz="3200" dirty="0" smtClean="0"/>
+              <a:t>Use </a:t>
+            </a:r>
+            <a:r>
+              <a:rPr lang="en-US" altLang="zh-CN" sz="3200" dirty="0" err="1" smtClean="0"/>
+              <a:t>mysqli</a:t>
+            </a:r>
+            <a:r>
+              <a:rPr lang="en-US" altLang="zh-CN" sz="3200" dirty="0" smtClean="0"/>
+              <a:t> to </a:t>
+            </a:r>
+            <a:r>
+              <a:rPr lang="en-US" altLang="zh-CN" sz="3200" dirty="0"/>
+              <a:t>execute the </a:t>
+            </a:r>
+            <a:r>
+              <a:rPr lang="en-US" altLang="zh-CN" sz="3200" dirty="0" smtClean="0"/>
+              <a:t>query.</a:t>
+            </a:r>
+          </a:p>
+          <a:p>
+            <a:pPr marL="0" indent="0">
+              <a:buNone/>
+            </a:pPr>
+            <a:r>
+              <a:rPr lang="en-US" altLang="zh-CN" sz="3200" dirty="0" smtClean="0"/>
+              <a:t>Use </a:t>
+            </a:r>
+            <a:r>
+              <a:rPr lang="en-US" altLang="zh-CN" sz="3200" dirty="0" err="1" smtClean="0"/>
+              <a:t>mysqli</a:t>
+            </a:r>
+            <a:r>
+              <a:rPr lang="en-US" altLang="zh-CN" sz="3200" dirty="0" smtClean="0"/>
+              <a:t> functions to </a:t>
+            </a:r>
+            <a:r>
+              <a:rPr lang="en-US" altLang="zh-CN" sz="3200" dirty="0"/>
+              <a:t>sanitize the </a:t>
+            </a:r>
+            <a:r>
+              <a:rPr lang="en-US" altLang="zh-CN" sz="3200" dirty="0" smtClean="0"/>
+              <a:t>input.</a:t>
+            </a:r>
+          </a:p>
+        </p:txBody>
+      </p:sp>
+      <p:pic>
+        <p:nvPicPr>
+          <p:cNvPr id="5" name="图片 4"/>
+          <p:cNvPicPr>
+            <a:picLocks noChangeAspect="1"/>
+          </p:cNvPicPr>
+          <p:nvPr/>
+        </p:nvPicPr>
+        <p:blipFill>
+          <a:blip r:embed="rId2"/>
+          <a:stretch>
+            <a:fillRect/>
+          </a:stretch>
+        </p:blipFill>
+        <p:spPr>
+          <a:xfrm>
+            <a:off x="817273" y="1876375"/>
+            <a:ext cx="3260456" cy="3494202"/>
+          </a:xfrm>
+          <a:prstGeom prst="rect">
+            <a:avLst/>
+          </a:prstGeom>
+        </p:spPr>
+      </p:pic>
     </p:spTree>
     <p:extLst>
       <p:ext uri="{BB962C8B-B14F-4D97-AF65-F5344CB8AC3E}">
-        <p14:creationId xmlns:p14="http://schemas.microsoft.com/office/powerpoint/2010/main" val="776269332"/>
+        <p14:creationId xmlns:p14="http://schemas.microsoft.com/office/powerpoint/2010/main" val="2757312703"/>
       </p:ext>
     </p:extLst>
   </p:cSld>
   <p:clrMapOvr>
     <a:masterClrMapping/>
   </p:clrMapOvr>
+  <mc:AlternateContent xmlns:mc="http://schemas.openxmlformats.org/markup-compatibility/2006" xmlns:p14="http://schemas.microsoft.com/office/powerpoint/2010/main">
+    <mc:Choice Requires="p14">
+      <p:transition spd="slow" p14:dur="1200">
+        <p14:prism/>
+      </p:transition>
+    </mc:Choice>
+    <mc:Fallback xmlns="">
+      <p:transition spd="slow">
+        <p:fade/>
+      </p:transition>
+    </mc:Fallback>
+  </mc:AlternateContent>
   <p:timing>
     <p:tnLst>
       <p:par>
-        <p:cTn id="1" dur="indefinite" restart="never" nodeType="tmRoot"/>
+        <p:cTn id="1" dur="indefinite" restart="never" nodeType="tmRoot">
+          <p:childTnLst>
+            <p:seq concurrent="1" nextAc="seek">
+              <p:cTn id="2" dur="indefinite" nodeType="mainSeq">
+                <p:childTnLst>
+                  <p:par>
+                    <p:cTn id="3" fill="hold">
+                      <p:stCondLst>
+                        <p:cond delay="indefinite"/>
+                      </p:stCondLst>
+                      <p:childTnLst>
+                        <p:par>
+                          <p:cTn id="4" fill="hold">
+                            <p:stCondLst>
+                              <p:cond delay="0"/>
+                            </p:stCondLst>
+                            <p:childTnLst>
+                              <p:par>
+                                <p:cTn id="5" presetID="42" presetClass="entr" presetSubtype="0" fill="hold" grpId="0" nodeType="clickEffect">
+                                  <p:stCondLst>
+                                    <p:cond delay="0"/>
+                                  </p:stCondLst>
+                                  <p:childTnLst>
+                                    <p:set>
+                                      <p:cBhvr>
+                                        <p:cTn id="6" dur="1" fill="hold">
+                                          <p:stCondLst>
+                                            <p:cond delay="0"/>
+                                          </p:stCondLst>
+                                        </p:cTn>
+                                        <p:tgtEl>
+                                          <p:spTgt spid="4"/>
+                                        </p:tgtEl>
+                                        <p:attrNameLst>
+                                          <p:attrName>style.visibility</p:attrName>
+                                        </p:attrNameLst>
+                                      </p:cBhvr>
+                                      <p:to>
+                                        <p:strVal val="visible"/>
+                                      </p:to>
+                                    </p:set>
+                                    <p:animEffect transition="in" filter="fade">
+                                      <p:cBhvr>
+                                        <p:cTn id="7" dur="1000"/>
+                                        <p:tgtEl>
+                                          <p:spTgt spid="4"/>
+                                        </p:tgtEl>
+                                      </p:cBhvr>
+                                    </p:animEffect>
+                                    <p:anim calcmode="lin" valueType="num">
+                                      <p:cBhvr>
+                                        <p:cTn id="8" dur="1000" fill="hold"/>
+                                        <p:tgtEl>
+                                          <p:spTgt spid="4"/>
+                                        </p:tgtEl>
+                                        <p:attrNameLst>
+                                          <p:attrName>ppt_x</p:attrName>
+                                        </p:attrNameLst>
+                                      </p:cBhvr>
+                                      <p:tavLst>
+                                        <p:tav tm="0">
+                                          <p:val>
+                                            <p:strVal val="#ppt_x"/>
+                                          </p:val>
+                                        </p:tav>
+                                        <p:tav tm="100000">
+                                          <p:val>
+                                            <p:strVal val="#ppt_x"/>
+                                          </p:val>
+                                        </p:tav>
+                                      </p:tavLst>
+                                    </p:anim>
+                                    <p:anim calcmode="lin" valueType="num">
+                                      <p:cBhvr>
+                                        <p:cTn id="9" dur="1000" fill="hold"/>
+                                        <p:tgtEl>
+                                          <p:spTgt spid="4"/>
+                                        </p:tgtEl>
+                                        <p:attrNameLst>
+                                          <p:attrName>ppt_y</p:attrName>
+                                        </p:attrNameLst>
+                                      </p:cBhvr>
+                                      <p:tavLst>
+                                        <p:tav tm="0">
+                                          <p:val>
+                                            <p:strVal val="#ppt_y+.1"/>
+                                          </p:val>
+                                        </p:tav>
+                                        <p:tav tm="100000">
+                                          <p:val>
+                                            <p:strVal val="#ppt_y"/>
+                                          </p:val>
+                                        </p:tav>
+                                      </p:tavLst>
+                                    </p:anim>
+                                  </p:childTnLst>
+                                </p:cTn>
+                              </p:par>
+                            </p:childTnLst>
+                          </p:cTn>
+                        </p:par>
+                      </p:childTnLst>
+                    </p:cTn>
+                  </p:par>
+                </p:childTnLst>
+              </p:cTn>
+              <p:prevCondLst>
+                <p:cond evt="onPrev" delay="0">
+                  <p:tgtEl>
+                    <p:sldTgt/>
+                  </p:tgtEl>
+                </p:cond>
+              </p:prevCondLst>
+              <p:nextCondLst>
+                <p:cond evt="onNext" delay="0">
+                  <p:tgtEl>
+                    <p:sldTgt/>
+                  </p:tgtEl>
+                </p:cond>
+              </p:nextCondLst>
+            </p:seq>
+          </p:childTnLst>
+        </p:cTn>
       </p:par>
     </p:tnLst>
+    <p:bldLst>
+      <p:bldP spid="4" grpId="0"/>
+    </p:bldLst>
   </p:timing>
 </p:sld>
 </file>
 
 <file path=ppt/slides/slide11.xml><?xml version="1.0" encoding="utf-8"?>
+<p:sld xmlns:a="http://schemas.openxmlformats.org/drawingml/2006/main" xmlns:r="http://schemas.openxmlformats.org/officeDocument/2006/relationships" xmlns:p="http://schemas.openxmlformats.org/presentationml/2006/main">
+  <p:cSld>
+    <p:spTree>
+      <p:nvGrpSpPr>
+        <p:cNvPr id="1" name=""/>
+        <p:cNvGrpSpPr/>
+        <p:nvPr/>
+      </p:nvGrpSpPr>
+      <p:grpSpPr>
+        <a:xfrm>
+          <a:off x="0" y="0"/>
+          <a:ext cx="0" cy="0"/>
+          <a:chOff x="0" y="0"/>
+          <a:chExt cx="0" cy="0"/>
+        </a:xfrm>
+      </p:grpSpPr>
+      <p:sp>
+        <p:nvSpPr>
+          <p:cNvPr id="2" name="标题 1"/>
+          <p:cNvSpPr>
+            <a:spLocks noGrp="1"/>
+          </p:cNvSpPr>
+          <p:nvPr>
+            <p:ph type="title"/>
+          </p:nvPr>
+        </p:nvSpPr>
+        <p:spPr/>
+        <p:txBody>
+          <a:bodyPr/>
+          <a:lstStyle/>
+          <a:p>
+            <a:r>
+              <a:rPr lang="en-US" altLang="zh-CN" dirty="0" smtClean="0"/>
+              <a:t>Admin function</a:t>
+            </a:r>
+            <a:endParaRPr lang="zh-CN" altLang="en-US" dirty="0"/>
+          </a:p>
+        </p:txBody>
+      </p:sp>
+      <p:sp>
+        <p:nvSpPr>
+          <p:cNvPr id="4" name="内容占位符 2"/>
+          <p:cNvSpPr txBox="1">
+            <a:spLocks/>
+          </p:cNvSpPr>
+          <p:nvPr/>
+        </p:nvSpPr>
+        <p:spPr>
+          <a:xfrm>
+            <a:off x="4704751" y="1811207"/>
+            <a:ext cx="7067118" cy="3013006"/>
+          </a:xfrm>
+          <a:prstGeom prst="rect">
+            <a:avLst/>
+          </a:prstGeom>
+        </p:spPr>
+        <p:txBody>
+          <a:bodyPr vert="horz" lIns="91440" tIns="45720" rIns="91440" bIns="45720" rtlCol="0" anchor="ctr">
+            <a:normAutofit/>
+          </a:bodyPr>
+          <a:lstStyle>
+            <a:lvl1pPr marL="285750" indent="-285750" algn="l" defTabSz="457200" rtl="0" eaLnBrk="1" latinLnBrk="0" hangingPunct="1">
+              <a:spcBef>
+                <a:spcPts val="0"/>
+              </a:spcBef>
+              <a:spcAft>
+                <a:spcPts val="1000"/>
+              </a:spcAft>
+              <a:buClr>
+                <a:schemeClr val="tx1"/>
+              </a:buClr>
+              <a:buSzPct val="100000"/>
+              <a:buFont typeface="Arial"/>
+              <a:buChar char="•"/>
+              <a:defRPr sz="1800" kern="1200" cap="none">
+                <a:solidFill>
+                  <a:schemeClr val="tx1"/>
+                </a:solidFill>
+                <a:effectLst/>
+                <a:latin typeface="+mn-lt"/>
+                <a:ea typeface="+mn-ea"/>
+                <a:cs typeface="+mn-cs"/>
+              </a:defRPr>
+            </a:lvl1pPr>
+            <a:lvl2pPr marL="742950" indent="-285750" algn="l" defTabSz="457200" rtl="0" eaLnBrk="1" latinLnBrk="0" hangingPunct="1">
+              <a:spcBef>
+                <a:spcPts val="0"/>
+              </a:spcBef>
+              <a:spcAft>
+                <a:spcPts val="1000"/>
+              </a:spcAft>
+              <a:buClr>
+                <a:schemeClr val="tx1"/>
+              </a:buClr>
+              <a:buSzPct val="100000"/>
+              <a:buFont typeface="Arial"/>
+              <a:buChar char="•"/>
+              <a:defRPr sz="1600" kern="1200" cap="none">
+                <a:solidFill>
+                  <a:schemeClr val="tx1"/>
+                </a:solidFill>
+                <a:effectLst/>
+                <a:latin typeface="+mn-lt"/>
+                <a:ea typeface="+mn-ea"/>
+                <a:cs typeface="+mn-cs"/>
+              </a:defRPr>
+            </a:lvl2pPr>
+            <a:lvl3pPr marL="1200150" indent="-285750" algn="l" defTabSz="457200" rtl="0" eaLnBrk="1" latinLnBrk="0" hangingPunct="1">
+              <a:spcBef>
+                <a:spcPts val="0"/>
+              </a:spcBef>
+              <a:spcAft>
+                <a:spcPts val="1000"/>
+              </a:spcAft>
+              <a:buClr>
+                <a:schemeClr val="tx1"/>
+              </a:buClr>
+              <a:buSzPct val="100000"/>
+              <a:buFont typeface="Arial"/>
+              <a:buChar char="•"/>
+              <a:defRPr sz="1400" kern="1200" cap="none">
+                <a:solidFill>
+                  <a:schemeClr val="tx1"/>
+                </a:solidFill>
+                <a:effectLst/>
+                <a:latin typeface="+mn-lt"/>
+                <a:ea typeface="+mn-ea"/>
+                <a:cs typeface="+mn-cs"/>
+              </a:defRPr>
+            </a:lvl3pPr>
+            <a:lvl4pPr marL="1543050" indent="-171450" algn="l" defTabSz="457200" rtl="0" eaLnBrk="1" latinLnBrk="0" hangingPunct="1">
+              <a:spcBef>
+                <a:spcPts val="0"/>
+              </a:spcBef>
+              <a:spcAft>
+                <a:spcPts val="1000"/>
+              </a:spcAft>
+              <a:buClr>
+                <a:schemeClr val="tx1"/>
+              </a:buClr>
+              <a:buSzPct val="100000"/>
+              <a:buFont typeface="Arial"/>
+              <a:buChar char="•"/>
+              <a:defRPr sz="1200" kern="1200" cap="none">
+                <a:solidFill>
+                  <a:schemeClr val="tx1"/>
+                </a:solidFill>
+                <a:effectLst/>
+                <a:latin typeface="+mn-lt"/>
+                <a:ea typeface="+mn-ea"/>
+                <a:cs typeface="+mn-cs"/>
+              </a:defRPr>
+            </a:lvl4pPr>
+            <a:lvl5pPr marL="2000250" indent="-171450" algn="l" defTabSz="457200" rtl="0" eaLnBrk="1" latinLnBrk="0" hangingPunct="1">
+              <a:spcBef>
+                <a:spcPts val="0"/>
+              </a:spcBef>
+              <a:spcAft>
+                <a:spcPts val="1000"/>
+              </a:spcAft>
+              <a:buClr>
+                <a:schemeClr val="tx1"/>
+              </a:buClr>
+              <a:buSzPct val="100000"/>
+              <a:buFont typeface="Arial"/>
+              <a:buChar char="•"/>
+              <a:defRPr sz="1200" kern="1200" cap="none">
+                <a:solidFill>
+                  <a:schemeClr val="tx1"/>
+                </a:solidFill>
+                <a:effectLst/>
+                <a:latin typeface="+mn-lt"/>
+                <a:ea typeface="+mn-ea"/>
+                <a:cs typeface="+mn-cs"/>
+              </a:defRPr>
+            </a:lvl5pPr>
+            <a:lvl6pPr marL="2514600" indent="-228600" algn="l" defTabSz="457200" rtl="0" eaLnBrk="1" latinLnBrk="0" hangingPunct="1">
+              <a:spcBef>
+                <a:spcPts val="0"/>
+              </a:spcBef>
+              <a:spcAft>
+                <a:spcPts val="1000"/>
+              </a:spcAft>
+              <a:buClr>
+                <a:schemeClr val="tx1"/>
+              </a:buClr>
+              <a:buSzPct val="100000"/>
+              <a:buFont typeface="Arial"/>
+              <a:buChar char="•"/>
+              <a:defRPr sz="1200" kern="1200" cap="none">
+                <a:solidFill>
+                  <a:schemeClr val="tx1"/>
+                </a:solidFill>
+                <a:effectLst/>
+                <a:latin typeface="+mn-lt"/>
+                <a:ea typeface="+mn-ea"/>
+                <a:cs typeface="+mn-cs"/>
+              </a:defRPr>
+            </a:lvl6pPr>
+            <a:lvl7pPr marL="2971800" indent="-228600" algn="l" defTabSz="457200" rtl="0" eaLnBrk="1" latinLnBrk="0" hangingPunct="1">
+              <a:spcBef>
+                <a:spcPts val="0"/>
+              </a:spcBef>
+              <a:spcAft>
+                <a:spcPts val="1000"/>
+              </a:spcAft>
+              <a:buClr>
+                <a:schemeClr val="tx1"/>
+              </a:buClr>
+              <a:buSzPct val="100000"/>
+              <a:buFont typeface="Arial"/>
+              <a:buChar char="•"/>
+              <a:defRPr sz="1200" kern="1200" cap="none">
+                <a:solidFill>
+                  <a:schemeClr val="tx1"/>
+                </a:solidFill>
+                <a:effectLst/>
+                <a:latin typeface="+mn-lt"/>
+                <a:ea typeface="+mn-ea"/>
+                <a:cs typeface="+mn-cs"/>
+              </a:defRPr>
+            </a:lvl7pPr>
+            <a:lvl8pPr marL="3429000" indent="-228600" algn="l" defTabSz="457200" rtl="0" eaLnBrk="1" latinLnBrk="0" hangingPunct="1">
+              <a:spcBef>
+                <a:spcPts val="0"/>
+              </a:spcBef>
+              <a:spcAft>
+                <a:spcPts val="1000"/>
+              </a:spcAft>
+              <a:buClr>
+                <a:schemeClr val="tx1"/>
+              </a:buClr>
+              <a:buSzPct val="100000"/>
+              <a:buFont typeface="Arial"/>
+              <a:buChar char="•"/>
+              <a:defRPr sz="1200" kern="1200" cap="none">
+                <a:solidFill>
+                  <a:schemeClr val="tx1"/>
+                </a:solidFill>
+                <a:effectLst/>
+                <a:latin typeface="+mn-lt"/>
+                <a:ea typeface="+mn-ea"/>
+                <a:cs typeface="+mn-cs"/>
+              </a:defRPr>
+            </a:lvl8pPr>
+            <a:lvl9pPr marL="3886200" indent="-228600" algn="l" defTabSz="457200" rtl="0" eaLnBrk="1" latinLnBrk="0" hangingPunct="1">
+              <a:spcBef>
+                <a:spcPts val="0"/>
+              </a:spcBef>
+              <a:spcAft>
+                <a:spcPts val="1000"/>
+              </a:spcAft>
+              <a:buClr>
+                <a:schemeClr val="tx1"/>
+              </a:buClr>
+              <a:buSzPct val="100000"/>
+              <a:buFont typeface="Arial"/>
+              <a:buChar char="•"/>
+              <a:defRPr sz="1200" kern="1200" cap="none">
+                <a:solidFill>
+                  <a:schemeClr val="tx1"/>
+                </a:solidFill>
+                <a:effectLst/>
+                <a:latin typeface="+mn-lt"/>
+                <a:ea typeface="+mn-ea"/>
+                <a:cs typeface="+mn-cs"/>
+              </a:defRPr>
+            </a:lvl9pPr>
+          </a:lstStyle>
+          <a:p>
+            <a:pPr marL="0" indent="0">
+              <a:buNone/>
+            </a:pPr>
+            <a:endParaRPr lang="en-US" altLang="zh-CN" sz="3200" dirty="0" smtClean="0"/>
+          </a:p>
+        </p:txBody>
+      </p:sp>
+      <p:sp>
+        <p:nvSpPr>
+          <p:cNvPr id="7" name="内容占位符 2"/>
+          <p:cNvSpPr txBox="1">
+            <a:spLocks/>
+          </p:cNvSpPr>
+          <p:nvPr/>
+        </p:nvSpPr>
+        <p:spPr>
+          <a:xfrm>
+            <a:off x="5685394" y="1886313"/>
+            <a:ext cx="5789913" cy="3780561"/>
+          </a:xfrm>
+          <a:prstGeom prst="rect">
+            <a:avLst/>
+          </a:prstGeom>
+        </p:spPr>
+        <p:txBody>
+          <a:bodyPr vert="horz" lIns="91440" tIns="45720" rIns="91440" bIns="45720" rtlCol="0" anchor="ctr">
+            <a:normAutofit/>
+          </a:bodyPr>
+          <a:lstStyle>
+            <a:lvl1pPr marL="285750" indent="-285750" algn="l" defTabSz="457200" rtl="0" eaLnBrk="1" latinLnBrk="0" hangingPunct="1">
+              <a:spcBef>
+                <a:spcPts val="0"/>
+              </a:spcBef>
+              <a:spcAft>
+                <a:spcPts val="1000"/>
+              </a:spcAft>
+              <a:buClr>
+                <a:schemeClr val="tx1"/>
+              </a:buClr>
+              <a:buSzPct val="100000"/>
+              <a:buFont typeface="Arial"/>
+              <a:buChar char="•"/>
+              <a:defRPr sz="1800" kern="1200" cap="none">
+                <a:solidFill>
+                  <a:schemeClr val="tx1"/>
+                </a:solidFill>
+                <a:effectLst/>
+                <a:latin typeface="+mn-lt"/>
+                <a:ea typeface="+mn-ea"/>
+                <a:cs typeface="+mn-cs"/>
+              </a:defRPr>
+            </a:lvl1pPr>
+            <a:lvl2pPr marL="742950" indent="-285750" algn="l" defTabSz="457200" rtl="0" eaLnBrk="1" latinLnBrk="0" hangingPunct="1">
+              <a:spcBef>
+                <a:spcPts val="0"/>
+              </a:spcBef>
+              <a:spcAft>
+                <a:spcPts val="1000"/>
+              </a:spcAft>
+              <a:buClr>
+                <a:schemeClr val="tx1"/>
+              </a:buClr>
+              <a:buSzPct val="100000"/>
+              <a:buFont typeface="Arial"/>
+              <a:buChar char="•"/>
+              <a:defRPr sz="1600" kern="1200" cap="none">
+                <a:solidFill>
+                  <a:schemeClr val="tx1"/>
+                </a:solidFill>
+                <a:effectLst/>
+                <a:latin typeface="+mn-lt"/>
+                <a:ea typeface="+mn-ea"/>
+                <a:cs typeface="+mn-cs"/>
+              </a:defRPr>
+            </a:lvl2pPr>
+            <a:lvl3pPr marL="1200150" indent="-285750" algn="l" defTabSz="457200" rtl="0" eaLnBrk="1" latinLnBrk="0" hangingPunct="1">
+              <a:spcBef>
+                <a:spcPts val="0"/>
+              </a:spcBef>
+              <a:spcAft>
+                <a:spcPts val="1000"/>
+              </a:spcAft>
+              <a:buClr>
+                <a:schemeClr val="tx1"/>
+              </a:buClr>
+              <a:buSzPct val="100000"/>
+              <a:buFont typeface="Arial"/>
+              <a:buChar char="•"/>
+              <a:defRPr sz="1400" kern="1200" cap="none">
+                <a:solidFill>
+                  <a:schemeClr val="tx1"/>
+                </a:solidFill>
+                <a:effectLst/>
+                <a:latin typeface="+mn-lt"/>
+                <a:ea typeface="+mn-ea"/>
+                <a:cs typeface="+mn-cs"/>
+              </a:defRPr>
+            </a:lvl3pPr>
+            <a:lvl4pPr marL="1543050" indent="-171450" algn="l" defTabSz="457200" rtl="0" eaLnBrk="1" latinLnBrk="0" hangingPunct="1">
+              <a:spcBef>
+                <a:spcPts val="0"/>
+              </a:spcBef>
+              <a:spcAft>
+                <a:spcPts val="1000"/>
+              </a:spcAft>
+              <a:buClr>
+                <a:schemeClr val="tx1"/>
+              </a:buClr>
+              <a:buSzPct val="100000"/>
+              <a:buFont typeface="Arial"/>
+              <a:buChar char="•"/>
+              <a:defRPr sz="1200" kern="1200" cap="none">
+                <a:solidFill>
+                  <a:schemeClr val="tx1"/>
+                </a:solidFill>
+                <a:effectLst/>
+                <a:latin typeface="+mn-lt"/>
+                <a:ea typeface="+mn-ea"/>
+                <a:cs typeface="+mn-cs"/>
+              </a:defRPr>
+            </a:lvl4pPr>
+            <a:lvl5pPr marL="2000250" indent="-171450" algn="l" defTabSz="457200" rtl="0" eaLnBrk="1" latinLnBrk="0" hangingPunct="1">
+              <a:spcBef>
+                <a:spcPts val="0"/>
+              </a:spcBef>
+              <a:spcAft>
+                <a:spcPts val="1000"/>
+              </a:spcAft>
+              <a:buClr>
+                <a:schemeClr val="tx1"/>
+              </a:buClr>
+              <a:buSzPct val="100000"/>
+              <a:buFont typeface="Arial"/>
+              <a:buChar char="•"/>
+              <a:defRPr sz="1200" kern="1200" cap="none">
+                <a:solidFill>
+                  <a:schemeClr val="tx1"/>
+                </a:solidFill>
+                <a:effectLst/>
+                <a:latin typeface="+mn-lt"/>
+                <a:ea typeface="+mn-ea"/>
+                <a:cs typeface="+mn-cs"/>
+              </a:defRPr>
+            </a:lvl5pPr>
+            <a:lvl6pPr marL="2514600" indent="-228600" algn="l" defTabSz="457200" rtl="0" eaLnBrk="1" latinLnBrk="0" hangingPunct="1">
+              <a:spcBef>
+                <a:spcPts val="0"/>
+              </a:spcBef>
+              <a:spcAft>
+                <a:spcPts val="1000"/>
+              </a:spcAft>
+              <a:buClr>
+                <a:schemeClr val="tx1"/>
+              </a:buClr>
+              <a:buSzPct val="100000"/>
+              <a:buFont typeface="Arial"/>
+              <a:buChar char="•"/>
+              <a:defRPr sz="1200" kern="1200" cap="none">
+                <a:solidFill>
+                  <a:schemeClr val="tx1"/>
+                </a:solidFill>
+                <a:effectLst/>
+                <a:latin typeface="+mn-lt"/>
+                <a:ea typeface="+mn-ea"/>
+                <a:cs typeface="+mn-cs"/>
+              </a:defRPr>
+            </a:lvl6pPr>
+            <a:lvl7pPr marL="2971800" indent="-228600" algn="l" defTabSz="457200" rtl="0" eaLnBrk="1" latinLnBrk="0" hangingPunct="1">
+              <a:spcBef>
+                <a:spcPts val="0"/>
+              </a:spcBef>
+              <a:spcAft>
+                <a:spcPts val="1000"/>
+              </a:spcAft>
+              <a:buClr>
+                <a:schemeClr val="tx1"/>
+              </a:buClr>
+              <a:buSzPct val="100000"/>
+              <a:buFont typeface="Arial"/>
+              <a:buChar char="•"/>
+              <a:defRPr sz="1200" kern="1200" cap="none">
+                <a:solidFill>
+                  <a:schemeClr val="tx1"/>
+                </a:solidFill>
+                <a:effectLst/>
+                <a:latin typeface="+mn-lt"/>
+                <a:ea typeface="+mn-ea"/>
+                <a:cs typeface="+mn-cs"/>
+              </a:defRPr>
+            </a:lvl7pPr>
+            <a:lvl8pPr marL="3429000" indent="-228600" algn="l" defTabSz="457200" rtl="0" eaLnBrk="1" latinLnBrk="0" hangingPunct="1">
+              <a:spcBef>
+                <a:spcPts val="0"/>
+              </a:spcBef>
+              <a:spcAft>
+                <a:spcPts val="1000"/>
+              </a:spcAft>
+              <a:buClr>
+                <a:schemeClr val="tx1"/>
+              </a:buClr>
+              <a:buSzPct val="100000"/>
+              <a:buFont typeface="Arial"/>
+              <a:buChar char="•"/>
+              <a:defRPr sz="1200" kern="1200" cap="none">
+                <a:solidFill>
+                  <a:schemeClr val="tx1"/>
+                </a:solidFill>
+                <a:effectLst/>
+                <a:latin typeface="+mn-lt"/>
+                <a:ea typeface="+mn-ea"/>
+                <a:cs typeface="+mn-cs"/>
+              </a:defRPr>
+            </a:lvl8pPr>
+            <a:lvl9pPr marL="3886200" indent="-228600" algn="l" defTabSz="457200" rtl="0" eaLnBrk="1" latinLnBrk="0" hangingPunct="1">
+              <a:spcBef>
+                <a:spcPts val="0"/>
+              </a:spcBef>
+              <a:spcAft>
+                <a:spcPts val="1000"/>
+              </a:spcAft>
+              <a:buClr>
+                <a:schemeClr val="tx1"/>
+              </a:buClr>
+              <a:buSzPct val="100000"/>
+              <a:buFont typeface="Arial"/>
+              <a:buChar char="•"/>
+              <a:defRPr sz="1200" kern="1200" cap="none">
+                <a:solidFill>
+                  <a:schemeClr val="tx1"/>
+                </a:solidFill>
+                <a:effectLst/>
+                <a:latin typeface="+mn-lt"/>
+                <a:ea typeface="+mn-ea"/>
+                <a:cs typeface="+mn-cs"/>
+              </a:defRPr>
+            </a:lvl9pPr>
+          </a:lstStyle>
+          <a:p>
+            <a:pPr marL="0" indent="0">
+              <a:buNone/>
+            </a:pPr>
+            <a:r>
+              <a:rPr lang="en-US" altLang="zh-CN" sz="3200" dirty="0"/>
+              <a:t>Use </a:t>
+            </a:r>
+            <a:r>
+              <a:rPr lang="en-US" altLang="zh-CN" sz="3200" dirty="0" err="1"/>
+              <a:t>mysqli</a:t>
+            </a:r>
+            <a:r>
+              <a:rPr lang="en-US" altLang="zh-CN" sz="3200" dirty="0"/>
+              <a:t> to execute the query</a:t>
+            </a:r>
+            <a:r>
+              <a:rPr lang="en-US" altLang="zh-CN" sz="3200" dirty="0" smtClean="0"/>
+              <a:t>.</a:t>
+            </a:r>
+          </a:p>
+          <a:p>
+            <a:pPr marL="0" indent="0">
+              <a:buNone/>
+            </a:pPr>
+            <a:r>
+              <a:rPr lang="en-US" altLang="zh-CN" sz="3200" dirty="0" smtClean="0"/>
+              <a:t>Use </a:t>
+            </a:r>
+            <a:r>
+              <a:rPr lang="en-US" altLang="zh-CN" sz="3200" dirty="0" err="1" smtClean="0"/>
+              <a:t>accesslevels</a:t>
+            </a:r>
+            <a:r>
+              <a:rPr lang="en-US" altLang="zh-CN" sz="3200" dirty="0" smtClean="0"/>
+              <a:t> to gain access to admin functions.</a:t>
+            </a:r>
+          </a:p>
+          <a:p>
+            <a:pPr marL="0" indent="0">
+              <a:buNone/>
+            </a:pPr>
+            <a:r>
+              <a:rPr lang="en-US" altLang="zh-CN" sz="3200" dirty="0" smtClean="0"/>
+              <a:t>Can’t ban or delete comments of a user with higher access level.</a:t>
+            </a:r>
+            <a:endParaRPr lang="en-US" altLang="zh-CN" sz="3200" dirty="0"/>
+          </a:p>
+        </p:txBody>
+      </p:sp>
+      <p:pic>
+        <p:nvPicPr>
+          <p:cNvPr id="3" name="Picture 2"/>
+          <p:cNvPicPr>
+            <a:picLocks noChangeAspect="1"/>
+          </p:cNvPicPr>
+          <p:nvPr/>
+        </p:nvPicPr>
+        <p:blipFill>
+          <a:blip r:embed="rId2">
+            <a:extLst>
+              <a:ext uri="{28A0092B-C50C-407E-A947-70E740481C1C}">
+                <a14:useLocalDpi xmlns:a14="http://schemas.microsoft.com/office/drawing/2010/main" val="0"/>
+              </a:ext>
+            </a:extLst>
+          </a:blip>
+          <a:stretch>
+            <a:fillRect/>
+          </a:stretch>
+        </p:blipFill>
+        <p:spPr>
+          <a:xfrm>
+            <a:off x="746160" y="1886313"/>
+            <a:ext cx="3898232" cy="3278059"/>
+          </a:xfrm>
+          <a:prstGeom prst="rect">
+            <a:avLst/>
+          </a:prstGeom>
+        </p:spPr>
+      </p:pic>
+    </p:spTree>
+    <p:extLst>
+      <p:ext uri="{BB962C8B-B14F-4D97-AF65-F5344CB8AC3E}">
+        <p14:creationId xmlns:p14="http://schemas.microsoft.com/office/powerpoint/2010/main" val="3939779968"/>
+      </p:ext>
+    </p:extLst>
+  </p:cSld>
+  <p:clrMapOvr>
+    <a:masterClrMapping/>
+  </p:clrMapOvr>
+  <mc:AlternateContent xmlns:mc="http://schemas.openxmlformats.org/markup-compatibility/2006" xmlns:p14="http://schemas.microsoft.com/office/powerpoint/2010/main">
+    <mc:Choice Requires="p14">
+      <p:transition spd="slow" p14:dur="1200">
+        <p14:prism/>
+      </p:transition>
+    </mc:Choice>
+    <mc:Fallback xmlns="">
+      <p:transition spd="slow">
+        <p:fade/>
+      </p:transition>
+    </mc:Fallback>
+  </mc:AlternateContent>
+  <p:timing>
+    <p:tnLst>
+      <p:par>
+        <p:cTn id="1" dur="indefinite" restart="never" nodeType="tmRoot">
+          <p:childTnLst>
+            <p:seq concurrent="1" nextAc="seek">
+              <p:cTn id="2" dur="indefinite" nodeType="mainSeq">
+                <p:childTnLst>
+                  <p:par>
+                    <p:cTn id="3" fill="hold">
+                      <p:stCondLst>
+                        <p:cond delay="indefinite"/>
+                      </p:stCondLst>
+                      <p:childTnLst>
+                        <p:par>
+                          <p:cTn id="4" fill="hold">
+                            <p:stCondLst>
+                              <p:cond delay="0"/>
+                            </p:stCondLst>
+                            <p:childTnLst>
+                              <p:par>
+                                <p:cTn id="5" presetID="42" presetClass="entr" presetSubtype="0" fill="hold" grpId="0" nodeType="clickEffect">
+                                  <p:stCondLst>
+                                    <p:cond delay="0"/>
+                                  </p:stCondLst>
+                                  <p:childTnLst>
+                                    <p:set>
+                                      <p:cBhvr>
+                                        <p:cTn id="6" dur="1" fill="hold">
+                                          <p:stCondLst>
+                                            <p:cond delay="0"/>
+                                          </p:stCondLst>
+                                        </p:cTn>
+                                        <p:tgtEl>
+                                          <p:spTgt spid="7"/>
+                                        </p:tgtEl>
+                                        <p:attrNameLst>
+                                          <p:attrName>style.visibility</p:attrName>
+                                        </p:attrNameLst>
+                                      </p:cBhvr>
+                                      <p:to>
+                                        <p:strVal val="visible"/>
+                                      </p:to>
+                                    </p:set>
+                                    <p:animEffect transition="in" filter="fade">
+                                      <p:cBhvr>
+                                        <p:cTn id="7" dur="1000"/>
+                                        <p:tgtEl>
+                                          <p:spTgt spid="7"/>
+                                        </p:tgtEl>
+                                      </p:cBhvr>
+                                    </p:animEffect>
+                                    <p:anim calcmode="lin" valueType="num">
+                                      <p:cBhvr>
+                                        <p:cTn id="8" dur="1000" fill="hold"/>
+                                        <p:tgtEl>
+                                          <p:spTgt spid="7"/>
+                                        </p:tgtEl>
+                                        <p:attrNameLst>
+                                          <p:attrName>ppt_x</p:attrName>
+                                        </p:attrNameLst>
+                                      </p:cBhvr>
+                                      <p:tavLst>
+                                        <p:tav tm="0">
+                                          <p:val>
+                                            <p:strVal val="#ppt_x"/>
+                                          </p:val>
+                                        </p:tav>
+                                        <p:tav tm="100000">
+                                          <p:val>
+                                            <p:strVal val="#ppt_x"/>
+                                          </p:val>
+                                        </p:tav>
+                                      </p:tavLst>
+                                    </p:anim>
+                                    <p:anim calcmode="lin" valueType="num">
+                                      <p:cBhvr>
+                                        <p:cTn id="9" dur="1000" fill="hold"/>
+                                        <p:tgtEl>
+                                          <p:spTgt spid="7"/>
+                                        </p:tgtEl>
+                                        <p:attrNameLst>
+                                          <p:attrName>ppt_y</p:attrName>
+                                        </p:attrNameLst>
+                                      </p:cBhvr>
+                                      <p:tavLst>
+                                        <p:tav tm="0">
+                                          <p:val>
+                                            <p:strVal val="#ppt_y+.1"/>
+                                          </p:val>
+                                        </p:tav>
+                                        <p:tav tm="100000">
+                                          <p:val>
+                                            <p:strVal val="#ppt_y"/>
+                                          </p:val>
+                                        </p:tav>
+                                      </p:tavLst>
+                                    </p:anim>
+                                  </p:childTnLst>
+                                </p:cTn>
+                              </p:par>
+                            </p:childTnLst>
+                          </p:cTn>
+                        </p:par>
+                      </p:childTnLst>
+                    </p:cTn>
+                  </p:par>
+                </p:childTnLst>
+              </p:cTn>
+              <p:prevCondLst>
+                <p:cond evt="onPrev" delay="0">
+                  <p:tgtEl>
+                    <p:sldTgt/>
+                  </p:tgtEl>
+                </p:cond>
+              </p:prevCondLst>
+              <p:nextCondLst>
+                <p:cond evt="onNext" delay="0">
+                  <p:tgtEl>
+                    <p:sldTgt/>
+                  </p:tgtEl>
+                </p:cond>
+              </p:nextCondLst>
+            </p:seq>
+          </p:childTnLst>
+        </p:cTn>
+      </p:par>
+    </p:tnLst>
+    <p:bldLst>
+      <p:bldP spid="7" grpId="0"/>
+    </p:bldLst>
+  </p:timing>
+</p:sld>
+</file>
+
+<file path=ppt/slides/slide12.xml><?xml version="1.0" encoding="utf-8"?>
 <p:sld xmlns:a="http://schemas.openxmlformats.org/drawingml/2006/main" xmlns:r="http://schemas.openxmlformats.org/officeDocument/2006/relationships" xmlns:p="http://schemas.openxmlformats.org/presentationml/2006/main">
   <p:cSld>
     <p:spTree>
@@ -6328,7 +7472,73 @@
 </p:sld>
 </file>
 
-<file path=ppt/slides/slide12.xml><?xml version="1.0" encoding="utf-8"?>
+<file path=ppt/slides/slide13.xml><?xml version="1.0" encoding="utf-8"?>
+<p:sld xmlns:a="http://schemas.openxmlformats.org/drawingml/2006/main" xmlns:r="http://schemas.openxmlformats.org/officeDocument/2006/relationships" xmlns:p="http://schemas.openxmlformats.org/presentationml/2006/main">
+  <p:cSld>
+    <p:spTree>
+      <p:nvGrpSpPr>
+        <p:cNvPr id="1" name=""/>
+        <p:cNvGrpSpPr/>
+        <p:nvPr/>
+      </p:nvGrpSpPr>
+      <p:grpSpPr>
+        <a:xfrm>
+          <a:off x="0" y="0"/>
+          <a:ext cx="0" cy="0"/>
+          <a:chOff x="0" y="0"/>
+          <a:chExt cx="0" cy="0"/>
+        </a:xfrm>
+      </p:grpSpPr>
+      <p:sp>
+        <p:nvSpPr>
+          <p:cNvPr id="2" name="Title 1"/>
+          <p:cNvSpPr>
+            <a:spLocks noGrp="1"/>
+          </p:cNvSpPr>
+          <p:nvPr>
+            <p:ph type="title"/>
+          </p:nvPr>
+        </p:nvSpPr>
+        <p:spPr>
+          <a:xfrm>
+            <a:off x="806117" y="2799348"/>
+            <a:ext cx="10131425" cy="1456267"/>
+          </a:xfrm>
+        </p:spPr>
+        <p:txBody>
+          <a:bodyPr/>
+          <a:lstStyle/>
+          <a:p>
+            <a:pPr algn="ctr"/>
+            <a:r>
+              <a:rPr lang="en-US" dirty="0" smtClean="0"/>
+              <a:t>demo</a:t>
+            </a:r>
+            <a:endParaRPr lang="bg-BG" dirty="0"/>
+          </a:p>
+        </p:txBody>
+      </p:sp>
+    </p:spTree>
+    <p:extLst>
+      <p:ext uri="{BB962C8B-B14F-4D97-AF65-F5344CB8AC3E}">
+        <p14:creationId xmlns:p14="http://schemas.microsoft.com/office/powerpoint/2010/main" val="1379141226"/>
+      </p:ext>
+    </p:extLst>
+  </p:cSld>
+  <p:clrMapOvr>
+    <a:masterClrMapping/>
+  </p:clrMapOvr>
+  <p:timing>
+    <p:tnLst>
+      <p:par>
+        <p:cTn id="1" dur="indefinite" restart="never" nodeType="tmRoot"/>
+      </p:par>
+    </p:tnLst>
+  </p:timing>
+</p:sld>
+</file>
+
+<file path=ppt/slides/slide14.xml><?xml version="1.0" encoding="utf-8"?>
 <p:sld xmlns:a="http://schemas.openxmlformats.org/drawingml/2006/main" xmlns:r="http://schemas.openxmlformats.org/officeDocument/2006/relationships" xmlns:p="http://schemas.openxmlformats.org/presentationml/2006/main">
   <p:cSld>
     <p:spTree>
@@ -6854,13 +8064,13 @@
         </p:nvSpPr>
         <p:spPr>
           <a:xfrm>
-            <a:off x="1336591" y="1927883"/>
-            <a:ext cx="6579972" cy="3649133"/>
+            <a:off x="1336590" y="1927883"/>
+            <a:ext cx="6772693" cy="3931496"/>
           </a:xfrm>
         </p:spPr>
         <p:txBody>
           <a:bodyPr>
-            <a:normAutofit lnSpcReduction="10000"/>
+            <a:normAutofit fontScale="92500" lnSpcReduction="20000"/>
           </a:bodyPr>
           <a:lstStyle/>
           <a:p>
@@ -6884,8 +8094,9 @@
           <a:p>
             <a:r>
               <a:rPr lang="en-US" altLang="zh-CN" sz="3200" dirty="0" smtClean="0"/>
-              <a:t>Avatar</a:t>
-            </a:r>
+              <a:t>Avatar upload</a:t>
+            </a:r>
+            <a:endParaRPr lang="en-US" altLang="zh-CN" sz="3200" dirty="0" smtClean="0"/>
           </a:p>
           <a:p>
             <a:r>
@@ -6896,9 +8107,23 @@
           <a:p>
             <a:r>
               <a:rPr lang="en-US" altLang="zh-CN" sz="3200" dirty="0" smtClean="0"/>
-              <a:t>Admin function</a:t>
-            </a:r>
-            <a:endParaRPr lang="zh-CN" altLang="en-US" sz="3200" dirty="0"/>
+              <a:t>Administrator functions</a:t>
+            </a:r>
+          </a:p>
+          <a:p>
+            <a:pPr lvl="1"/>
+            <a:r>
+              <a:rPr lang="en-US" altLang="zh-CN" sz="3000" dirty="0" smtClean="0"/>
+              <a:t>Ban users</a:t>
+            </a:r>
+          </a:p>
+          <a:p>
+            <a:pPr lvl="1"/>
+            <a:r>
+              <a:rPr lang="en-US" altLang="zh-CN" sz="3000" dirty="0" smtClean="0"/>
+              <a:t>Delete comments</a:t>
+            </a:r>
+            <a:endParaRPr lang="zh-CN" altLang="en-US" sz="3000" dirty="0"/>
           </a:p>
         </p:txBody>
       </p:sp>
@@ -7616,6 +8841,200 @@
                                   </p:childTnLst>
                                 </p:cTn>
                               </p:par>
+                              <p:par>
+                                <p:cTn id="45" presetID="42" presetClass="entr" presetSubtype="0" fill="hold" grpId="0" nodeType="withEffect">
+                                  <p:stCondLst>
+                                    <p:cond delay="0"/>
+                                  </p:stCondLst>
+                                  <p:childTnLst>
+                                    <p:set>
+                                      <p:cBhvr>
+                                        <p:cTn id="46" dur="1" fill="hold">
+                                          <p:stCondLst>
+                                            <p:cond delay="0"/>
+                                          </p:stCondLst>
+                                        </p:cTn>
+                                        <p:tgtEl>
+                                          <p:spTgt spid="3">
+                                            <p:txEl>
+                                              <p:pRg st="6" end="6"/>
+                                            </p:txEl>
+                                          </p:spTgt>
+                                        </p:tgtEl>
+                                        <p:attrNameLst>
+                                          <p:attrName>style.visibility</p:attrName>
+                                        </p:attrNameLst>
+                                      </p:cBhvr>
+                                      <p:to>
+                                        <p:strVal val="visible"/>
+                                      </p:to>
+                                    </p:set>
+                                    <p:animEffect transition="in" filter="fade">
+                                      <p:cBhvr>
+                                        <p:cTn id="47" dur="1000"/>
+                                        <p:tgtEl>
+                                          <p:spTgt spid="3">
+                                            <p:txEl>
+                                              <p:pRg st="6" end="6"/>
+                                            </p:txEl>
+                                          </p:spTgt>
+                                        </p:tgtEl>
+                                      </p:cBhvr>
+                                    </p:animEffect>
+                                    <p:anim calcmode="lin" valueType="num">
+                                      <p:cBhvr>
+                                        <p:cTn id="48" dur="1000" fill="hold"/>
+                                        <p:tgtEl>
+                                          <p:spTgt spid="3">
+                                            <p:txEl>
+                                              <p:pRg st="6" end="6"/>
+                                            </p:txEl>
+                                          </p:spTgt>
+                                        </p:tgtEl>
+                                        <p:attrNameLst>
+                                          <p:attrName>ppt_x</p:attrName>
+                                        </p:attrNameLst>
+                                      </p:cBhvr>
+                                      <p:tavLst>
+                                        <p:tav tm="0">
+                                          <p:val>
+                                            <p:strVal val="#ppt_x"/>
+                                          </p:val>
+                                        </p:tav>
+                                        <p:tav tm="100000">
+                                          <p:val>
+                                            <p:strVal val="#ppt_x"/>
+                                          </p:val>
+                                        </p:tav>
+                                      </p:tavLst>
+                                    </p:anim>
+                                    <p:anim calcmode="lin" valueType="num">
+                                      <p:cBhvr>
+                                        <p:cTn id="49" dur="1000" fill="hold"/>
+                                        <p:tgtEl>
+                                          <p:spTgt spid="3">
+                                            <p:txEl>
+                                              <p:pRg st="6" end="6"/>
+                                            </p:txEl>
+                                          </p:spTgt>
+                                        </p:tgtEl>
+                                        <p:attrNameLst>
+                                          <p:attrName>ppt_y</p:attrName>
+                                        </p:attrNameLst>
+                                      </p:cBhvr>
+                                      <p:tavLst>
+                                        <p:tav tm="0">
+                                          <p:val>
+                                            <p:strVal val="#ppt_y+.1"/>
+                                          </p:val>
+                                        </p:tav>
+                                        <p:tav tm="100000">
+                                          <p:val>
+                                            <p:strVal val="#ppt_y"/>
+                                          </p:val>
+                                        </p:tav>
+                                      </p:tavLst>
+                                    </p:anim>
+                                  </p:childTnLst>
+                                </p:cTn>
+                              </p:par>
+                              <p:par>
+                                <p:cTn id="50" presetID="42" presetClass="entr" presetSubtype="0" fill="hold" grpId="0" nodeType="withEffect">
+                                  <p:stCondLst>
+                                    <p:cond delay="0"/>
+                                  </p:stCondLst>
+                                  <p:childTnLst>
+                                    <p:set>
+                                      <p:cBhvr>
+                                        <p:cTn id="51" dur="1" fill="hold">
+                                          <p:stCondLst>
+                                            <p:cond delay="0"/>
+                                          </p:stCondLst>
+                                        </p:cTn>
+                                        <p:tgtEl>
+                                          <p:spTgt spid="3">
+                                            <p:txEl>
+                                              <p:pRg st="7" end="7"/>
+                                            </p:txEl>
+                                          </p:spTgt>
+                                        </p:tgtEl>
+                                        <p:attrNameLst>
+                                          <p:attrName>style.visibility</p:attrName>
+                                        </p:attrNameLst>
+                                      </p:cBhvr>
+                                      <p:to>
+                                        <p:strVal val="visible"/>
+                                      </p:to>
+                                    </p:set>
+                                    <p:animEffect transition="in" filter="fade">
+                                      <p:cBhvr>
+                                        <p:cTn id="52" dur="1000"/>
+                                        <p:tgtEl>
+                                          <p:spTgt spid="3">
+                                            <p:txEl>
+                                              <p:pRg st="7" end="7"/>
+                                            </p:txEl>
+                                          </p:spTgt>
+                                        </p:tgtEl>
+                                      </p:cBhvr>
+                                    </p:animEffect>
+                                    <p:anim calcmode="lin" valueType="num">
+                                      <p:cBhvr>
+                                        <p:cTn id="53" dur="1000" fill="hold"/>
+                                        <p:tgtEl>
+                                          <p:spTgt spid="3">
+                                            <p:txEl>
+                                              <p:pRg st="7" end="7"/>
+                                            </p:txEl>
+                                          </p:spTgt>
+                                        </p:tgtEl>
+                                        <p:attrNameLst>
+                                          <p:attrName>ppt_x</p:attrName>
+                                        </p:attrNameLst>
+                                      </p:cBhvr>
+                                      <p:tavLst>
+                                        <p:tav tm="0">
+                                          <p:val>
+                                            <p:strVal val="#ppt_x"/>
+                                          </p:val>
+                                        </p:tav>
+                                        <p:tav tm="100000">
+                                          <p:val>
+                                            <p:strVal val="#ppt_x"/>
+                                          </p:val>
+                                        </p:tav>
+                                      </p:tavLst>
+                                    </p:anim>
+                                    <p:anim calcmode="lin" valueType="num">
+                                      <p:cBhvr>
+                                        <p:cTn id="54" dur="1000" fill="hold"/>
+                                        <p:tgtEl>
+                                          <p:spTgt spid="3">
+                                            <p:txEl>
+                                              <p:pRg st="7" end="7"/>
+                                            </p:txEl>
+                                          </p:spTgt>
+                                        </p:tgtEl>
+                                        <p:attrNameLst>
+                                          <p:attrName>ppt_y</p:attrName>
+                                        </p:attrNameLst>
+                                      </p:cBhvr>
+                                      <p:tavLst>
+                                        <p:tav tm="0">
+                                          <p:val>
+                                            <p:strVal val="#ppt_y+.1"/>
+                                          </p:val>
+                                        </p:tav>
+                                        <p:tav tm="100000">
+                                          <p:val>
+                                            <p:strVal val="#ppt_y"/>
+                                          </p:val>
+                                        </p:tav>
+                                      </p:tavLst>
+                                    </p:anim>
+                                  </p:childTnLst>
+                                </p:cTn>
+                              </p:par>
                             </p:childTnLst>
                           </p:cTn>
                         </p:par>
@@ -7961,8 +9380,13 @@
             </a:pPr>
             <a:r>
               <a:rPr lang="en-US" altLang="zh-CN" sz="3200" dirty="0" smtClean="0"/>
-              <a:t>Regular expression check.</a:t>
-            </a:r>
+              <a:t>Regular expression </a:t>
+            </a:r>
+            <a:r>
+              <a:rPr lang="en-US" altLang="zh-CN" sz="3200" dirty="0" smtClean="0"/>
+              <a:t>check – emails and passwords.</a:t>
+            </a:r>
+            <a:endParaRPr lang="en-US" altLang="zh-CN" sz="3200" dirty="0" smtClean="0"/>
           </a:p>
           <a:p>
             <a:pPr marL="0" indent="0">
@@ -8025,11 +9449,7 @@
             </a:r>
             <a:r>
               <a:rPr lang="en-US" altLang="zh-CN" sz="3200" dirty="0" smtClean="0"/>
-              <a:t> functions to sanitize the input</a:t>
-            </a:r>
-            <a:r>
-              <a:rPr lang="en-US" altLang="zh-CN" sz="3200" dirty="0" smtClean="0"/>
-              <a:t>.</a:t>
+              <a:t> functions to sanitize the input.</a:t>
             </a:r>
             <a:endParaRPr lang="en-US" altLang="zh-CN" sz="3200" dirty="0"/>
           </a:p>
@@ -8041,7 +9461,6 @@
               <a:rPr lang="en-US" altLang="zh-CN" sz="3200" dirty="0" smtClean="0"/>
               <a:t>Frontend and backend input checks.</a:t>
             </a:r>
-            <a:endParaRPr lang="en-US" altLang="zh-CN" sz="3200" dirty="0" smtClean="0"/>
           </a:p>
         </p:txBody>
       </p:sp>
@@ -8352,6 +9771,122 @@
 </file>
 
 <file path=ppt/slides/slide6.xml><?xml version="1.0" encoding="utf-8"?>
+<p:sld xmlns:a="http://schemas.openxmlformats.org/drawingml/2006/main" xmlns:r="http://schemas.openxmlformats.org/officeDocument/2006/relationships" xmlns:p="http://schemas.openxmlformats.org/presentationml/2006/main">
+  <p:cSld>
+    <p:spTree>
+      <p:nvGrpSpPr>
+        <p:cNvPr id="1" name=""/>
+        <p:cNvGrpSpPr/>
+        <p:nvPr/>
+      </p:nvGrpSpPr>
+      <p:grpSpPr>
+        <a:xfrm>
+          <a:off x="0" y="0"/>
+          <a:ext cx="0" cy="0"/>
+          <a:chOff x="0" y="0"/>
+          <a:chExt cx="0" cy="0"/>
+        </a:xfrm>
+      </p:grpSpPr>
+      <p:sp>
+        <p:nvSpPr>
+          <p:cNvPr id="2" name="Title 1"/>
+          <p:cNvSpPr>
+            <a:spLocks noGrp="1"/>
+          </p:cNvSpPr>
+          <p:nvPr>
+            <p:ph type="title"/>
+          </p:nvPr>
+        </p:nvSpPr>
+        <p:spPr>
+          <a:xfrm>
+            <a:off x="685801" y="609600"/>
+            <a:ext cx="10131425" cy="954505"/>
+          </a:xfrm>
+        </p:spPr>
+        <p:txBody>
+          <a:bodyPr/>
+          <a:lstStyle/>
+          <a:p>
+            <a:r>
+              <a:rPr lang="en-US" dirty="0" smtClean="0"/>
+              <a:t>Brute force and lookup tables</a:t>
+            </a:r>
+            <a:endParaRPr lang="bg-BG" dirty="0"/>
+          </a:p>
+        </p:txBody>
+      </p:sp>
+      <p:sp>
+        <p:nvSpPr>
+          <p:cNvPr id="4" name="Content Placeholder 3"/>
+          <p:cNvSpPr>
+            <a:spLocks noGrp="1"/>
+          </p:cNvSpPr>
+          <p:nvPr>
+            <p:ph idx="1"/>
+          </p:nvPr>
+        </p:nvSpPr>
+        <p:spPr/>
+        <p:txBody>
+          <a:bodyPr anchor="t"/>
+          <a:lstStyle/>
+          <a:p>
+            <a:r>
+              <a:rPr lang="en-US" dirty="0" smtClean="0"/>
+              <a:t>Can’t be prevented.</a:t>
+            </a:r>
+          </a:p>
+          <a:p>
+            <a:r>
+              <a:rPr lang="en-US" dirty="0" smtClean="0"/>
+              <a:t>Make it harder for the attacker.</a:t>
+            </a:r>
+          </a:p>
+          <a:p>
+            <a:r>
+              <a:rPr lang="en-US" dirty="0" smtClean="0"/>
+              <a:t>Add randomly generated salts to each user password and encrypt.</a:t>
+            </a:r>
+          </a:p>
+          <a:p>
+            <a:r>
+              <a:rPr lang="en-US" dirty="0" smtClean="0"/>
+              <a:t>Each user – different </a:t>
+            </a:r>
+            <a:r>
+              <a:rPr lang="en-US" dirty="0" smtClean="0"/>
+              <a:t>salt.</a:t>
+            </a:r>
+          </a:p>
+          <a:p>
+            <a:r>
+              <a:rPr lang="en-US" dirty="0" smtClean="0"/>
+              <a:t>Force users to create long and complex passwords.</a:t>
+            </a:r>
+            <a:endParaRPr lang="bg-BG" dirty="0"/>
+          </a:p>
+        </p:txBody>
+      </p:sp>
+    </p:spTree>
+    <p:extLst>
+      <p:ext uri="{BB962C8B-B14F-4D97-AF65-F5344CB8AC3E}">
+        <p14:creationId xmlns:p14="http://schemas.microsoft.com/office/powerpoint/2010/main" val="776269332"/>
+      </p:ext>
+    </p:extLst>
+  </p:cSld>
+  <p:clrMapOvr>
+    <a:masterClrMapping/>
+  </p:clrMapOvr>
+  <p:timing>
+    <p:tnLst>
+      <p:par>
+        <p:cTn id="1" dur="indefinite" restart="never" nodeType="tmRoot"/>
+      </p:par>
+    </p:tnLst>
+  </p:timing>
+</p:sld>
+</file>
+
+<file path=ppt/slides/slide7.xml><?xml version="1.0" encoding="utf-8"?>
 <p:sld xmlns:a="http://schemas.openxmlformats.org/drawingml/2006/main" xmlns:r="http://schemas.openxmlformats.org/officeDocument/2006/relationships" xmlns:p="http://schemas.openxmlformats.org/presentationml/2006/main">
   <p:cSld>
     <p:spTree>
@@ -8878,7 +10413,7 @@
 </p:sld>
 </file>
 
-<file path=ppt/slides/slide7.xml><?xml version="1.0" encoding="utf-8"?>
+<file path=ppt/slides/slide8.xml><?xml version="1.0" encoding="utf-8"?>
 <p:sld xmlns:a="http://schemas.openxmlformats.org/drawingml/2006/main" xmlns:r="http://schemas.openxmlformats.org/officeDocument/2006/relationships" xmlns:p="http://schemas.openxmlformats.org/presentationml/2006/main">
   <p:cSld>
     <p:spTree>
@@ -8897,7 +10432,7 @@
       </p:grpSpPr>
       <p:sp>
         <p:nvSpPr>
-          <p:cNvPr id="2" name="标题 1"/>
+          <p:cNvPr id="2" name="Title 1"/>
           <p:cNvSpPr>
             <a:spLocks noGrp="1"/>
           </p:cNvSpPr>
@@ -8911,8 +10446,140 @@
           <a:lstStyle/>
           <a:p>
             <a:r>
+              <a:rPr lang="en-US" dirty="0" smtClean="0"/>
+              <a:t>Change password</a:t>
+            </a:r>
+            <a:endParaRPr lang="bg-BG" dirty="0"/>
+          </a:p>
+        </p:txBody>
+      </p:sp>
+      <p:sp>
+        <p:nvSpPr>
+          <p:cNvPr id="3" name="Content Placeholder 2"/>
+          <p:cNvSpPr>
+            <a:spLocks noGrp="1"/>
+          </p:cNvSpPr>
+          <p:nvPr>
+            <p:ph idx="1"/>
+          </p:nvPr>
+        </p:nvSpPr>
+        <p:spPr>
+          <a:xfrm>
+            <a:off x="6569242" y="2142067"/>
+            <a:ext cx="4247984" cy="3649133"/>
+          </a:xfrm>
+        </p:spPr>
+        <p:txBody>
+          <a:bodyPr anchor="t"/>
+          <a:lstStyle/>
+          <a:p>
+            <a:r>
+              <a:rPr lang="en-US" dirty="0" smtClean="0"/>
+              <a:t>Check if old pw is valid.</a:t>
+            </a:r>
+          </a:p>
+          <a:p>
+            <a:r>
+              <a:rPr lang="en-US" dirty="0" smtClean="0"/>
+              <a:t>Checks if new passwords are valid format.</a:t>
+            </a:r>
+          </a:p>
+          <a:p>
+            <a:r>
+              <a:rPr lang="en-US" dirty="0" smtClean="0"/>
+              <a:t>Generate new salt.</a:t>
+            </a:r>
+          </a:p>
+          <a:p>
+            <a:endParaRPr lang="bg-BG" dirty="0"/>
+          </a:p>
+        </p:txBody>
+      </p:sp>
+      <p:pic>
+        <p:nvPicPr>
+          <p:cNvPr id="4" name="Picture 3"/>
+          <p:cNvPicPr>
+            <a:picLocks noChangeAspect="1"/>
+          </p:cNvPicPr>
+          <p:nvPr/>
+        </p:nvPicPr>
+        <p:blipFill>
+          <a:blip r:embed="rId2">
+            <a:extLst>
+              <a:ext uri="{28A0092B-C50C-407E-A947-70E740481C1C}">
+                <a14:useLocalDpi xmlns:a14="http://schemas.microsoft.com/office/drawing/2010/main" val="0"/>
+              </a:ext>
+            </a:extLst>
+          </a:blip>
+          <a:stretch>
+            <a:fillRect/>
+          </a:stretch>
+        </p:blipFill>
+        <p:spPr>
+          <a:xfrm>
+            <a:off x="685800" y="1952139"/>
+            <a:ext cx="4355431" cy="4144116"/>
+          </a:xfrm>
+          <a:prstGeom prst="rect">
+            <a:avLst/>
+          </a:prstGeom>
+        </p:spPr>
+      </p:pic>
+    </p:spTree>
+    <p:extLst>
+      <p:ext uri="{BB962C8B-B14F-4D97-AF65-F5344CB8AC3E}">
+        <p14:creationId xmlns:p14="http://schemas.microsoft.com/office/powerpoint/2010/main" val="750269106"/>
+      </p:ext>
+    </p:extLst>
+  </p:cSld>
+  <p:clrMapOvr>
+    <a:masterClrMapping/>
+  </p:clrMapOvr>
+  <p:timing>
+    <p:tnLst>
+      <p:par>
+        <p:cTn id="1" dur="indefinite" restart="never" nodeType="tmRoot"/>
+      </p:par>
+    </p:tnLst>
+  </p:timing>
+</p:sld>
+</file>
+
+<file path=ppt/slides/slide9.xml><?xml version="1.0" encoding="utf-8"?>
+<p:sld xmlns:a="http://schemas.openxmlformats.org/drawingml/2006/main" xmlns:r="http://schemas.openxmlformats.org/officeDocument/2006/relationships" xmlns:p="http://schemas.openxmlformats.org/presentationml/2006/main">
+  <p:cSld>
+    <p:spTree>
+      <p:nvGrpSpPr>
+        <p:cNvPr id="1" name=""/>
+        <p:cNvGrpSpPr/>
+        <p:nvPr/>
+      </p:nvGrpSpPr>
+      <p:grpSpPr>
+        <a:xfrm>
+          <a:off x="0" y="0"/>
+          <a:ext cx="0" cy="0"/>
+          <a:chOff x="0" y="0"/>
+          <a:chExt cx="0" cy="0"/>
+        </a:xfrm>
+      </p:grpSpPr>
+      <p:sp>
+        <p:nvSpPr>
+          <p:cNvPr id="2" name="标题 1"/>
+          <p:cNvSpPr>
+            <a:spLocks noGrp="1"/>
+          </p:cNvSpPr>
+          <p:nvPr>
+            <p:ph type="title"/>
+          </p:nvPr>
+        </p:nvSpPr>
+        <p:spPr/>
+        <p:txBody>
+          <a:bodyPr/>
+          <a:lstStyle/>
+          <a:p>
+            <a:r>
               <a:rPr lang="en-US" altLang="zh-CN" dirty="0" smtClean="0"/>
-              <a:t>Avatar</a:t>
+              <a:t>Avatar upload</a:t>
             </a:r>
             <a:endParaRPr lang="zh-CN" altLang="en-US" dirty="0"/>
           </a:p>
@@ -9399,1266 +11066,6 @@
     </p:tnLst>
     <p:bldLst>
       <p:bldP spid="5" grpId="0"/>
-    </p:bldLst>
-  </p:timing>
-</p:sld>
-</file>
-
-<file path=ppt/slides/slide8.xml><?xml version="1.0" encoding="utf-8"?>
-<p:sld xmlns:a="http://schemas.openxmlformats.org/drawingml/2006/main" xmlns:r="http://schemas.openxmlformats.org/officeDocument/2006/relationships" xmlns:p="http://schemas.openxmlformats.org/presentationml/2006/main">
-  <p:cSld>
-    <p:spTree>
-      <p:nvGrpSpPr>
-        <p:cNvPr id="1" name=""/>
-        <p:cNvGrpSpPr/>
-        <p:nvPr/>
-      </p:nvGrpSpPr>
-      <p:grpSpPr>
-        <a:xfrm>
-          <a:off x="0" y="0"/>
-          <a:ext cx="0" cy="0"/>
-          <a:chOff x="0" y="0"/>
-          <a:chExt cx="0" cy="0"/>
-        </a:xfrm>
-      </p:grpSpPr>
-      <p:sp>
-        <p:nvSpPr>
-          <p:cNvPr id="2" name="标题 1"/>
-          <p:cNvSpPr>
-            <a:spLocks noGrp="1"/>
-          </p:cNvSpPr>
-          <p:nvPr>
-            <p:ph type="title"/>
-          </p:nvPr>
-        </p:nvSpPr>
-        <p:spPr/>
-        <p:txBody>
-          <a:bodyPr/>
-          <a:lstStyle/>
-          <a:p>
-            <a:r>
-              <a:rPr lang="en-US" altLang="zh-CN" dirty="0" smtClean="0"/>
-              <a:t>Comment</a:t>
-            </a:r>
-            <a:endParaRPr lang="zh-CN" altLang="en-US" dirty="0"/>
-          </a:p>
-        </p:txBody>
-      </p:sp>
-      <p:sp>
-        <p:nvSpPr>
-          <p:cNvPr id="4" name="内容占位符 2"/>
-          <p:cNvSpPr txBox="1">
-            <a:spLocks/>
-          </p:cNvSpPr>
-          <p:nvPr/>
-        </p:nvSpPr>
-        <p:spPr>
-          <a:xfrm>
-            <a:off x="4523520" y="1976929"/>
-            <a:ext cx="7067118" cy="3013006"/>
-          </a:xfrm>
-          <a:prstGeom prst="rect">
-            <a:avLst/>
-          </a:prstGeom>
-        </p:spPr>
-        <p:txBody>
-          <a:bodyPr vert="horz" lIns="91440" tIns="45720" rIns="91440" bIns="45720" rtlCol="0" anchor="ctr">
-            <a:normAutofit/>
-          </a:bodyPr>
-          <a:lstStyle>
-            <a:lvl1pPr marL="285750" indent="-285750" algn="l" defTabSz="457200" rtl="0" eaLnBrk="1" latinLnBrk="0" hangingPunct="1">
-              <a:spcBef>
-                <a:spcPts val="0"/>
-              </a:spcBef>
-              <a:spcAft>
-                <a:spcPts val="1000"/>
-              </a:spcAft>
-              <a:buClr>
-                <a:schemeClr val="tx1"/>
-              </a:buClr>
-              <a:buSzPct val="100000"/>
-              <a:buFont typeface="Arial"/>
-              <a:buChar char="•"/>
-              <a:defRPr sz="1800" kern="1200" cap="none">
-                <a:solidFill>
-                  <a:schemeClr val="tx1"/>
-                </a:solidFill>
-                <a:effectLst/>
-                <a:latin typeface="+mn-lt"/>
-                <a:ea typeface="+mn-ea"/>
-                <a:cs typeface="+mn-cs"/>
-              </a:defRPr>
-            </a:lvl1pPr>
-            <a:lvl2pPr marL="742950" indent="-285750" algn="l" defTabSz="457200" rtl="0" eaLnBrk="1" latinLnBrk="0" hangingPunct="1">
-              <a:spcBef>
-                <a:spcPts val="0"/>
-              </a:spcBef>
-              <a:spcAft>
-                <a:spcPts val="1000"/>
-              </a:spcAft>
-              <a:buClr>
-                <a:schemeClr val="tx1"/>
-              </a:buClr>
-              <a:buSzPct val="100000"/>
-              <a:buFont typeface="Arial"/>
-              <a:buChar char="•"/>
-              <a:defRPr sz="1600" kern="1200" cap="none">
-                <a:solidFill>
-                  <a:schemeClr val="tx1"/>
-                </a:solidFill>
-                <a:effectLst/>
-                <a:latin typeface="+mn-lt"/>
-                <a:ea typeface="+mn-ea"/>
-                <a:cs typeface="+mn-cs"/>
-              </a:defRPr>
-            </a:lvl2pPr>
-            <a:lvl3pPr marL="1200150" indent="-285750" algn="l" defTabSz="457200" rtl="0" eaLnBrk="1" latinLnBrk="0" hangingPunct="1">
-              <a:spcBef>
-                <a:spcPts val="0"/>
-              </a:spcBef>
-              <a:spcAft>
-                <a:spcPts val="1000"/>
-              </a:spcAft>
-              <a:buClr>
-                <a:schemeClr val="tx1"/>
-              </a:buClr>
-              <a:buSzPct val="100000"/>
-              <a:buFont typeface="Arial"/>
-              <a:buChar char="•"/>
-              <a:defRPr sz="1400" kern="1200" cap="none">
-                <a:solidFill>
-                  <a:schemeClr val="tx1"/>
-                </a:solidFill>
-                <a:effectLst/>
-                <a:latin typeface="+mn-lt"/>
-                <a:ea typeface="+mn-ea"/>
-                <a:cs typeface="+mn-cs"/>
-              </a:defRPr>
-            </a:lvl3pPr>
-            <a:lvl4pPr marL="1543050" indent="-171450" algn="l" defTabSz="457200" rtl="0" eaLnBrk="1" latinLnBrk="0" hangingPunct="1">
-              <a:spcBef>
-                <a:spcPts val="0"/>
-              </a:spcBef>
-              <a:spcAft>
-                <a:spcPts val="1000"/>
-              </a:spcAft>
-              <a:buClr>
-                <a:schemeClr val="tx1"/>
-              </a:buClr>
-              <a:buSzPct val="100000"/>
-              <a:buFont typeface="Arial"/>
-              <a:buChar char="•"/>
-              <a:defRPr sz="1200" kern="1200" cap="none">
-                <a:solidFill>
-                  <a:schemeClr val="tx1"/>
-                </a:solidFill>
-                <a:effectLst/>
-                <a:latin typeface="+mn-lt"/>
-                <a:ea typeface="+mn-ea"/>
-                <a:cs typeface="+mn-cs"/>
-              </a:defRPr>
-            </a:lvl4pPr>
-            <a:lvl5pPr marL="2000250" indent="-171450" algn="l" defTabSz="457200" rtl="0" eaLnBrk="1" latinLnBrk="0" hangingPunct="1">
-              <a:spcBef>
-                <a:spcPts val="0"/>
-              </a:spcBef>
-              <a:spcAft>
-                <a:spcPts val="1000"/>
-              </a:spcAft>
-              <a:buClr>
-                <a:schemeClr val="tx1"/>
-              </a:buClr>
-              <a:buSzPct val="100000"/>
-              <a:buFont typeface="Arial"/>
-              <a:buChar char="•"/>
-              <a:defRPr sz="1200" kern="1200" cap="none">
-                <a:solidFill>
-                  <a:schemeClr val="tx1"/>
-                </a:solidFill>
-                <a:effectLst/>
-                <a:latin typeface="+mn-lt"/>
-                <a:ea typeface="+mn-ea"/>
-                <a:cs typeface="+mn-cs"/>
-              </a:defRPr>
-            </a:lvl5pPr>
-            <a:lvl6pPr marL="2514600" indent="-228600" algn="l" defTabSz="457200" rtl="0" eaLnBrk="1" latinLnBrk="0" hangingPunct="1">
-              <a:spcBef>
-                <a:spcPts val="0"/>
-              </a:spcBef>
-              <a:spcAft>
-                <a:spcPts val="1000"/>
-              </a:spcAft>
-              <a:buClr>
-                <a:schemeClr val="tx1"/>
-              </a:buClr>
-              <a:buSzPct val="100000"/>
-              <a:buFont typeface="Arial"/>
-              <a:buChar char="•"/>
-              <a:defRPr sz="1200" kern="1200" cap="none">
-                <a:solidFill>
-                  <a:schemeClr val="tx1"/>
-                </a:solidFill>
-                <a:effectLst/>
-                <a:latin typeface="+mn-lt"/>
-                <a:ea typeface="+mn-ea"/>
-                <a:cs typeface="+mn-cs"/>
-              </a:defRPr>
-            </a:lvl6pPr>
-            <a:lvl7pPr marL="2971800" indent="-228600" algn="l" defTabSz="457200" rtl="0" eaLnBrk="1" latinLnBrk="0" hangingPunct="1">
-              <a:spcBef>
-                <a:spcPts val="0"/>
-              </a:spcBef>
-              <a:spcAft>
-                <a:spcPts val="1000"/>
-              </a:spcAft>
-              <a:buClr>
-                <a:schemeClr val="tx1"/>
-              </a:buClr>
-              <a:buSzPct val="100000"/>
-              <a:buFont typeface="Arial"/>
-              <a:buChar char="•"/>
-              <a:defRPr sz="1200" kern="1200" cap="none">
-                <a:solidFill>
-                  <a:schemeClr val="tx1"/>
-                </a:solidFill>
-                <a:effectLst/>
-                <a:latin typeface="+mn-lt"/>
-                <a:ea typeface="+mn-ea"/>
-                <a:cs typeface="+mn-cs"/>
-              </a:defRPr>
-            </a:lvl7pPr>
-            <a:lvl8pPr marL="3429000" indent="-228600" algn="l" defTabSz="457200" rtl="0" eaLnBrk="1" latinLnBrk="0" hangingPunct="1">
-              <a:spcBef>
-                <a:spcPts val="0"/>
-              </a:spcBef>
-              <a:spcAft>
-                <a:spcPts val="1000"/>
-              </a:spcAft>
-              <a:buClr>
-                <a:schemeClr val="tx1"/>
-              </a:buClr>
-              <a:buSzPct val="100000"/>
-              <a:buFont typeface="Arial"/>
-              <a:buChar char="•"/>
-              <a:defRPr sz="1200" kern="1200" cap="none">
-                <a:solidFill>
-                  <a:schemeClr val="tx1"/>
-                </a:solidFill>
-                <a:effectLst/>
-                <a:latin typeface="+mn-lt"/>
-                <a:ea typeface="+mn-ea"/>
-                <a:cs typeface="+mn-cs"/>
-              </a:defRPr>
-            </a:lvl8pPr>
-            <a:lvl9pPr marL="3886200" indent="-228600" algn="l" defTabSz="457200" rtl="0" eaLnBrk="1" latinLnBrk="0" hangingPunct="1">
-              <a:spcBef>
-                <a:spcPts val="0"/>
-              </a:spcBef>
-              <a:spcAft>
-                <a:spcPts val="1000"/>
-              </a:spcAft>
-              <a:buClr>
-                <a:schemeClr val="tx1"/>
-              </a:buClr>
-              <a:buSzPct val="100000"/>
-              <a:buFont typeface="Arial"/>
-              <a:buChar char="•"/>
-              <a:defRPr sz="1200" kern="1200" cap="none">
-                <a:solidFill>
-                  <a:schemeClr val="tx1"/>
-                </a:solidFill>
-                <a:effectLst/>
-                <a:latin typeface="+mn-lt"/>
-                <a:ea typeface="+mn-ea"/>
-                <a:cs typeface="+mn-cs"/>
-              </a:defRPr>
-            </a:lvl9pPr>
-          </a:lstStyle>
-          <a:p>
-            <a:pPr marL="0" indent="0">
-              <a:buNone/>
-            </a:pPr>
-            <a:r>
-              <a:rPr lang="en-US" altLang="zh-CN" sz="3200" dirty="0" smtClean="0"/>
-              <a:t>Length check.</a:t>
-            </a:r>
-          </a:p>
-          <a:p>
-            <a:pPr marL="0" indent="0">
-              <a:buNone/>
-            </a:pPr>
-            <a:r>
-              <a:rPr lang="en-US" altLang="zh-CN" sz="3200" dirty="0" smtClean="0"/>
-              <a:t>Regular expression check.</a:t>
-            </a:r>
-          </a:p>
-          <a:p>
-            <a:pPr marL="0" indent="0">
-              <a:buNone/>
-            </a:pPr>
-            <a:r>
-              <a:rPr lang="en-US" altLang="zh-CN" sz="3200" dirty="0" smtClean="0"/>
-              <a:t>Use </a:t>
-            </a:r>
-            <a:r>
-              <a:rPr lang="en-US" altLang="zh-CN" sz="3200" dirty="0" err="1" smtClean="0"/>
-              <a:t>mysqli</a:t>
-            </a:r>
-            <a:r>
-              <a:rPr lang="en-US" altLang="zh-CN" sz="3200" dirty="0" smtClean="0"/>
-              <a:t> to </a:t>
-            </a:r>
-            <a:r>
-              <a:rPr lang="en-US" altLang="zh-CN" sz="3200" dirty="0"/>
-              <a:t>execute the </a:t>
-            </a:r>
-            <a:r>
-              <a:rPr lang="en-US" altLang="zh-CN" sz="3200" dirty="0" smtClean="0"/>
-              <a:t>query.</a:t>
-            </a:r>
-          </a:p>
-          <a:p>
-            <a:pPr marL="0" indent="0">
-              <a:buNone/>
-            </a:pPr>
-            <a:r>
-              <a:rPr lang="en-US" altLang="zh-CN" sz="3200" dirty="0" smtClean="0"/>
-              <a:t>Use </a:t>
-            </a:r>
-            <a:r>
-              <a:rPr lang="en-US" altLang="zh-CN" sz="3200" dirty="0" err="1" smtClean="0"/>
-              <a:t>mysqli</a:t>
-            </a:r>
-            <a:r>
-              <a:rPr lang="en-US" altLang="zh-CN" sz="3200" dirty="0" smtClean="0"/>
-              <a:t> functions to </a:t>
-            </a:r>
-            <a:r>
-              <a:rPr lang="en-US" altLang="zh-CN" sz="3200" dirty="0"/>
-              <a:t>sanitize the </a:t>
-            </a:r>
-            <a:r>
-              <a:rPr lang="en-US" altLang="zh-CN" sz="3200" dirty="0" smtClean="0"/>
-              <a:t>input.</a:t>
-            </a:r>
-          </a:p>
-        </p:txBody>
-      </p:sp>
-      <p:pic>
-        <p:nvPicPr>
-          <p:cNvPr id="5" name="图片 4"/>
-          <p:cNvPicPr>
-            <a:picLocks noChangeAspect="1"/>
-          </p:cNvPicPr>
-          <p:nvPr/>
-        </p:nvPicPr>
-        <p:blipFill>
-          <a:blip r:embed="rId2"/>
-          <a:stretch>
-            <a:fillRect/>
-          </a:stretch>
-        </p:blipFill>
-        <p:spPr>
-          <a:xfrm>
-            <a:off x="817273" y="1876375"/>
-            <a:ext cx="3260456" cy="3494202"/>
-          </a:xfrm>
-          <a:prstGeom prst="rect">
-            <a:avLst/>
-          </a:prstGeom>
-        </p:spPr>
-      </p:pic>
-    </p:spTree>
-    <p:extLst>
-      <p:ext uri="{BB962C8B-B14F-4D97-AF65-F5344CB8AC3E}">
-        <p14:creationId xmlns:p14="http://schemas.microsoft.com/office/powerpoint/2010/main" val="2757312703"/>
-      </p:ext>
-    </p:extLst>
-  </p:cSld>
-  <p:clrMapOvr>
-    <a:masterClrMapping/>
-  </p:clrMapOvr>
-  <mc:AlternateContent xmlns:mc="http://schemas.openxmlformats.org/markup-compatibility/2006" xmlns:p14="http://schemas.microsoft.com/office/powerpoint/2010/main">
-    <mc:Choice Requires="p14">
-      <p:transition spd="slow" p14:dur="1200">
-        <p14:prism/>
-      </p:transition>
-    </mc:Choice>
-    <mc:Fallback xmlns="">
-      <p:transition spd="slow">
-        <p:fade/>
-      </p:transition>
-    </mc:Fallback>
-  </mc:AlternateContent>
-  <p:timing>
-    <p:tnLst>
-      <p:par>
-        <p:cTn id="1" dur="indefinite" restart="never" nodeType="tmRoot">
-          <p:childTnLst>
-            <p:seq concurrent="1" nextAc="seek">
-              <p:cTn id="2" dur="indefinite" nodeType="mainSeq">
-                <p:childTnLst>
-                  <p:par>
-                    <p:cTn id="3" fill="hold">
-                      <p:stCondLst>
-                        <p:cond delay="indefinite"/>
-                      </p:stCondLst>
-                      <p:childTnLst>
-                        <p:par>
-                          <p:cTn id="4" fill="hold">
-                            <p:stCondLst>
-                              <p:cond delay="0"/>
-                            </p:stCondLst>
-                            <p:childTnLst>
-                              <p:par>
-                                <p:cTn id="5" presetID="42" presetClass="entr" presetSubtype="0" fill="hold" grpId="0" nodeType="clickEffect">
-                                  <p:stCondLst>
-                                    <p:cond delay="0"/>
-                                  </p:stCondLst>
-                                  <p:childTnLst>
-                                    <p:set>
-                                      <p:cBhvr>
-                                        <p:cTn id="6" dur="1" fill="hold">
-                                          <p:stCondLst>
-                                            <p:cond delay="0"/>
-                                          </p:stCondLst>
-                                        </p:cTn>
-                                        <p:tgtEl>
-                                          <p:spTgt spid="4"/>
-                                        </p:tgtEl>
-                                        <p:attrNameLst>
-                                          <p:attrName>style.visibility</p:attrName>
-                                        </p:attrNameLst>
-                                      </p:cBhvr>
-                                      <p:to>
-                                        <p:strVal val="visible"/>
-                                      </p:to>
-                                    </p:set>
-                                    <p:animEffect transition="in" filter="fade">
-                                      <p:cBhvr>
-                                        <p:cTn id="7" dur="1000"/>
-                                        <p:tgtEl>
-                                          <p:spTgt spid="4"/>
-                                        </p:tgtEl>
-                                      </p:cBhvr>
-                                    </p:animEffect>
-                                    <p:anim calcmode="lin" valueType="num">
-                                      <p:cBhvr>
-                                        <p:cTn id="8" dur="1000" fill="hold"/>
-                                        <p:tgtEl>
-                                          <p:spTgt spid="4"/>
-                                        </p:tgtEl>
-                                        <p:attrNameLst>
-                                          <p:attrName>ppt_x</p:attrName>
-                                        </p:attrNameLst>
-                                      </p:cBhvr>
-                                      <p:tavLst>
-                                        <p:tav tm="0">
-                                          <p:val>
-                                            <p:strVal val="#ppt_x"/>
-                                          </p:val>
-                                        </p:tav>
-                                        <p:tav tm="100000">
-                                          <p:val>
-                                            <p:strVal val="#ppt_x"/>
-                                          </p:val>
-                                        </p:tav>
-                                      </p:tavLst>
-                                    </p:anim>
-                                    <p:anim calcmode="lin" valueType="num">
-                                      <p:cBhvr>
-                                        <p:cTn id="9" dur="1000" fill="hold"/>
-                                        <p:tgtEl>
-                                          <p:spTgt spid="4"/>
-                                        </p:tgtEl>
-                                        <p:attrNameLst>
-                                          <p:attrName>ppt_y</p:attrName>
-                                        </p:attrNameLst>
-                                      </p:cBhvr>
-                                      <p:tavLst>
-                                        <p:tav tm="0">
-                                          <p:val>
-                                            <p:strVal val="#ppt_y+.1"/>
-                                          </p:val>
-                                        </p:tav>
-                                        <p:tav tm="100000">
-                                          <p:val>
-                                            <p:strVal val="#ppt_y"/>
-                                          </p:val>
-                                        </p:tav>
-                                      </p:tavLst>
-                                    </p:anim>
-                                  </p:childTnLst>
-                                </p:cTn>
-                              </p:par>
-                            </p:childTnLst>
-                          </p:cTn>
-                        </p:par>
-                      </p:childTnLst>
-                    </p:cTn>
-                  </p:par>
-                </p:childTnLst>
-              </p:cTn>
-              <p:prevCondLst>
-                <p:cond evt="onPrev" delay="0">
-                  <p:tgtEl>
-                    <p:sldTgt/>
-                  </p:tgtEl>
-                </p:cond>
-              </p:prevCondLst>
-              <p:nextCondLst>
-                <p:cond evt="onNext" delay="0">
-                  <p:tgtEl>
-                    <p:sldTgt/>
-                  </p:tgtEl>
-                </p:cond>
-              </p:nextCondLst>
-            </p:seq>
-          </p:childTnLst>
-        </p:cTn>
-      </p:par>
-    </p:tnLst>
-    <p:bldLst>
-      <p:bldP spid="4" grpId="0"/>
-    </p:bldLst>
-  </p:timing>
-</p:sld>
-</file>
-
-<file path=ppt/slides/slide9.xml><?xml version="1.0" encoding="utf-8"?>
-<p:sld xmlns:a="http://schemas.openxmlformats.org/drawingml/2006/main" xmlns:r="http://schemas.openxmlformats.org/officeDocument/2006/relationships" xmlns:p="http://schemas.openxmlformats.org/presentationml/2006/main">
-  <p:cSld>
-    <p:spTree>
-      <p:nvGrpSpPr>
-        <p:cNvPr id="1" name=""/>
-        <p:cNvGrpSpPr/>
-        <p:nvPr/>
-      </p:nvGrpSpPr>
-      <p:grpSpPr>
-        <a:xfrm>
-          <a:off x="0" y="0"/>
-          <a:ext cx="0" cy="0"/>
-          <a:chOff x="0" y="0"/>
-          <a:chExt cx="0" cy="0"/>
-        </a:xfrm>
-      </p:grpSpPr>
-      <p:sp>
-        <p:nvSpPr>
-          <p:cNvPr id="2" name="标题 1"/>
-          <p:cNvSpPr>
-            <a:spLocks noGrp="1"/>
-          </p:cNvSpPr>
-          <p:nvPr>
-            <p:ph type="title"/>
-          </p:nvPr>
-        </p:nvSpPr>
-        <p:spPr/>
-        <p:txBody>
-          <a:bodyPr/>
-          <a:lstStyle/>
-          <a:p>
-            <a:r>
-              <a:rPr lang="en-US" altLang="zh-CN" dirty="0" smtClean="0"/>
-              <a:t>Admin function</a:t>
-            </a:r>
-            <a:endParaRPr lang="zh-CN" altLang="en-US" dirty="0"/>
-          </a:p>
-        </p:txBody>
-      </p:sp>
-      <p:sp>
-        <p:nvSpPr>
-          <p:cNvPr id="4" name="内容占位符 2"/>
-          <p:cNvSpPr txBox="1">
-            <a:spLocks/>
-          </p:cNvSpPr>
-          <p:nvPr/>
-        </p:nvSpPr>
-        <p:spPr>
-          <a:xfrm>
-            <a:off x="4704751" y="1811207"/>
-            <a:ext cx="7067118" cy="3013006"/>
-          </a:xfrm>
-          <a:prstGeom prst="rect">
-            <a:avLst/>
-          </a:prstGeom>
-        </p:spPr>
-        <p:txBody>
-          <a:bodyPr vert="horz" lIns="91440" tIns="45720" rIns="91440" bIns="45720" rtlCol="0" anchor="ctr">
-            <a:normAutofit/>
-          </a:bodyPr>
-          <a:lstStyle>
-            <a:lvl1pPr marL="285750" indent="-285750" algn="l" defTabSz="457200" rtl="0" eaLnBrk="1" latinLnBrk="0" hangingPunct="1">
-              <a:spcBef>
-                <a:spcPts val="0"/>
-              </a:spcBef>
-              <a:spcAft>
-                <a:spcPts val="1000"/>
-              </a:spcAft>
-              <a:buClr>
-                <a:schemeClr val="tx1"/>
-              </a:buClr>
-              <a:buSzPct val="100000"/>
-              <a:buFont typeface="Arial"/>
-              <a:buChar char="•"/>
-              <a:defRPr sz="1800" kern="1200" cap="none">
-                <a:solidFill>
-                  <a:schemeClr val="tx1"/>
-                </a:solidFill>
-                <a:effectLst/>
-                <a:latin typeface="+mn-lt"/>
-                <a:ea typeface="+mn-ea"/>
-                <a:cs typeface="+mn-cs"/>
-              </a:defRPr>
-            </a:lvl1pPr>
-            <a:lvl2pPr marL="742950" indent="-285750" algn="l" defTabSz="457200" rtl="0" eaLnBrk="1" latinLnBrk="0" hangingPunct="1">
-              <a:spcBef>
-                <a:spcPts val="0"/>
-              </a:spcBef>
-              <a:spcAft>
-                <a:spcPts val="1000"/>
-              </a:spcAft>
-              <a:buClr>
-                <a:schemeClr val="tx1"/>
-              </a:buClr>
-              <a:buSzPct val="100000"/>
-              <a:buFont typeface="Arial"/>
-              <a:buChar char="•"/>
-              <a:defRPr sz="1600" kern="1200" cap="none">
-                <a:solidFill>
-                  <a:schemeClr val="tx1"/>
-                </a:solidFill>
-                <a:effectLst/>
-                <a:latin typeface="+mn-lt"/>
-                <a:ea typeface="+mn-ea"/>
-                <a:cs typeface="+mn-cs"/>
-              </a:defRPr>
-            </a:lvl2pPr>
-            <a:lvl3pPr marL="1200150" indent="-285750" algn="l" defTabSz="457200" rtl="0" eaLnBrk="1" latinLnBrk="0" hangingPunct="1">
-              <a:spcBef>
-                <a:spcPts val="0"/>
-              </a:spcBef>
-              <a:spcAft>
-                <a:spcPts val="1000"/>
-              </a:spcAft>
-              <a:buClr>
-                <a:schemeClr val="tx1"/>
-              </a:buClr>
-              <a:buSzPct val="100000"/>
-              <a:buFont typeface="Arial"/>
-              <a:buChar char="•"/>
-              <a:defRPr sz="1400" kern="1200" cap="none">
-                <a:solidFill>
-                  <a:schemeClr val="tx1"/>
-                </a:solidFill>
-                <a:effectLst/>
-                <a:latin typeface="+mn-lt"/>
-                <a:ea typeface="+mn-ea"/>
-                <a:cs typeface="+mn-cs"/>
-              </a:defRPr>
-            </a:lvl3pPr>
-            <a:lvl4pPr marL="1543050" indent="-171450" algn="l" defTabSz="457200" rtl="0" eaLnBrk="1" latinLnBrk="0" hangingPunct="1">
-              <a:spcBef>
-                <a:spcPts val="0"/>
-              </a:spcBef>
-              <a:spcAft>
-                <a:spcPts val="1000"/>
-              </a:spcAft>
-              <a:buClr>
-                <a:schemeClr val="tx1"/>
-              </a:buClr>
-              <a:buSzPct val="100000"/>
-              <a:buFont typeface="Arial"/>
-              <a:buChar char="•"/>
-              <a:defRPr sz="1200" kern="1200" cap="none">
-                <a:solidFill>
-                  <a:schemeClr val="tx1"/>
-                </a:solidFill>
-                <a:effectLst/>
-                <a:latin typeface="+mn-lt"/>
-                <a:ea typeface="+mn-ea"/>
-                <a:cs typeface="+mn-cs"/>
-              </a:defRPr>
-            </a:lvl4pPr>
-            <a:lvl5pPr marL="2000250" indent="-171450" algn="l" defTabSz="457200" rtl="0" eaLnBrk="1" latinLnBrk="0" hangingPunct="1">
-              <a:spcBef>
-                <a:spcPts val="0"/>
-              </a:spcBef>
-              <a:spcAft>
-                <a:spcPts val="1000"/>
-              </a:spcAft>
-              <a:buClr>
-                <a:schemeClr val="tx1"/>
-              </a:buClr>
-              <a:buSzPct val="100000"/>
-              <a:buFont typeface="Arial"/>
-              <a:buChar char="•"/>
-              <a:defRPr sz="1200" kern="1200" cap="none">
-                <a:solidFill>
-                  <a:schemeClr val="tx1"/>
-                </a:solidFill>
-                <a:effectLst/>
-                <a:latin typeface="+mn-lt"/>
-                <a:ea typeface="+mn-ea"/>
-                <a:cs typeface="+mn-cs"/>
-              </a:defRPr>
-            </a:lvl5pPr>
-            <a:lvl6pPr marL="2514600" indent="-228600" algn="l" defTabSz="457200" rtl="0" eaLnBrk="1" latinLnBrk="0" hangingPunct="1">
-              <a:spcBef>
-                <a:spcPts val="0"/>
-              </a:spcBef>
-              <a:spcAft>
-                <a:spcPts val="1000"/>
-              </a:spcAft>
-              <a:buClr>
-                <a:schemeClr val="tx1"/>
-              </a:buClr>
-              <a:buSzPct val="100000"/>
-              <a:buFont typeface="Arial"/>
-              <a:buChar char="•"/>
-              <a:defRPr sz="1200" kern="1200" cap="none">
-                <a:solidFill>
-                  <a:schemeClr val="tx1"/>
-                </a:solidFill>
-                <a:effectLst/>
-                <a:latin typeface="+mn-lt"/>
-                <a:ea typeface="+mn-ea"/>
-                <a:cs typeface="+mn-cs"/>
-              </a:defRPr>
-            </a:lvl6pPr>
-            <a:lvl7pPr marL="2971800" indent="-228600" algn="l" defTabSz="457200" rtl="0" eaLnBrk="1" latinLnBrk="0" hangingPunct="1">
-              <a:spcBef>
-                <a:spcPts val="0"/>
-              </a:spcBef>
-              <a:spcAft>
-                <a:spcPts val="1000"/>
-              </a:spcAft>
-              <a:buClr>
-                <a:schemeClr val="tx1"/>
-              </a:buClr>
-              <a:buSzPct val="100000"/>
-              <a:buFont typeface="Arial"/>
-              <a:buChar char="•"/>
-              <a:defRPr sz="1200" kern="1200" cap="none">
-                <a:solidFill>
-                  <a:schemeClr val="tx1"/>
-                </a:solidFill>
-                <a:effectLst/>
-                <a:latin typeface="+mn-lt"/>
-                <a:ea typeface="+mn-ea"/>
-                <a:cs typeface="+mn-cs"/>
-              </a:defRPr>
-            </a:lvl7pPr>
-            <a:lvl8pPr marL="3429000" indent="-228600" algn="l" defTabSz="457200" rtl="0" eaLnBrk="1" latinLnBrk="0" hangingPunct="1">
-              <a:spcBef>
-                <a:spcPts val="0"/>
-              </a:spcBef>
-              <a:spcAft>
-                <a:spcPts val="1000"/>
-              </a:spcAft>
-              <a:buClr>
-                <a:schemeClr val="tx1"/>
-              </a:buClr>
-              <a:buSzPct val="100000"/>
-              <a:buFont typeface="Arial"/>
-              <a:buChar char="•"/>
-              <a:defRPr sz="1200" kern="1200" cap="none">
-                <a:solidFill>
-                  <a:schemeClr val="tx1"/>
-                </a:solidFill>
-                <a:effectLst/>
-                <a:latin typeface="+mn-lt"/>
-                <a:ea typeface="+mn-ea"/>
-                <a:cs typeface="+mn-cs"/>
-              </a:defRPr>
-            </a:lvl8pPr>
-            <a:lvl9pPr marL="3886200" indent="-228600" algn="l" defTabSz="457200" rtl="0" eaLnBrk="1" latinLnBrk="0" hangingPunct="1">
-              <a:spcBef>
-                <a:spcPts val="0"/>
-              </a:spcBef>
-              <a:spcAft>
-                <a:spcPts val="1000"/>
-              </a:spcAft>
-              <a:buClr>
-                <a:schemeClr val="tx1"/>
-              </a:buClr>
-              <a:buSzPct val="100000"/>
-              <a:buFont typeface="Arial"/>
-              <a:buChar char="•"/>
-              <a:defRPr sz="1200" kern="1200" cap="none">
-                <a:solidFill>
-                  <a:schemeClr val="tx1"/>
-                </a:solidFill>
-                <a:effectLst/>
-                <a:latin typeface="+mn-lt"/>
-                <a:ea typeface="+mn-ea"/>
-                <a:cs typeface="+mn-cs"/>
-              </a:defRPr>
-            </a:lvl9pPr>
-          </a:lstStyle>
-          <a:p>
-            <a:pPr marL="0" indent="0">
-              <a:buNone/>
-            </a:pPr>
-            <a:endParaRPr lang="en-US" altLang="zh-CN" sz="3200" dirty="0" smtClean="0"/>
-          </a:p>
-        </p:txBody>
-      </p:sp>
-      <p:pic>
-        <p:nvPicPr>
-          <p:cNvPr id="6" name="图片 5"/>
-          <p:cNvPicPr>
-            <a:picLocks noChangeAspect="1"/>
-          </p:cNvPicPr>
-          <p:nvPr/>
-        </p:nvPicPr>
-        <p:blipFill>
-          <a:blip r:embed="rId2"/>
-          <a:stretch>
-            <a:fillRect/>
-          </a:stretch>
-        </p:blipFill>
-        <p:spPr>
-          <a:xfrm>
-            <a:off x="685801" y="2202755"/>
-            <a:ext cx="4719961" cy="2188013"/>
-          </a:xfrm>
-          <a:prstGeom prst="rect">
-            <a:avLst/>
-          </a:prstGeom>
-        </p:spPr>
-      </p:pic>
-      <p:sp>
-        <p:nvSpPr>
-          <p:cNvPr id="7" name="内容占位符 2"/>
-          <p:cNvSpPr txBox="1">
-            <a:spLocks/>
-          </p:cNvSpPr>
-          <p:nvPr/>
-        </p:nvSpPr>
-        <p:spPr>
-          <a:xfrm>
-            <a:off x="5685394" y="1886313"/>
-            <a:ext cx="5789913" cy="3780561"/>
-          </a:xfrm>
-          <a:prstGeom prst="rect">
-            <a:avLst/>
-          </a:prstGeom>
-        </p:spPr>
-        <p:txBody>
-          <a:bodyPr vert="horz" lIns="91440" tIns="45720" rIns="91440" bIns="45720" rtlCol="0" anchor="ctr">
-            <a:normAutofit/>
-          </a:bodyPr>
-          <a:lstStyle>
-            <a:lvl1pPr marL="285750" indent="-285750" algn="l" defTabSz="457200" rtl="0" eaLnBrk="1" latinLnBrk="0" hangingPunct="1">
-              <a:spcBef>
-                <a:spcPts val="0"/>
-              </a:spcBef>
-              <a:spcAft>
-                <a:spcPts val="1000"/>
-              </a:spcAft>
-              <a:buClr>
-                <a:schemeClr val="tx1"/>
-              </a:buClr>
-              <a:buSzPct val="100000"/>
-              <a:buFont typeface="Arial"/>
-              <a:buChar char="•"/>
-              <a:defRPr sz="1800" kern="1200" cap="none">
-                <a:solidFill>
-                  <a:schemeClr val="tx1"/>
-                </a:solidFill>
-                <a:effectLst/>
-                <a:latin typeface="+mn-lt"/>
-                <a:ea typeface="+mn-ea"/>
-                <a:cs typeface="+mn-cs"/>
-              </a:defRPr>
-            </a:lvl1pPr>
-            <a:lvl2pPr marL="742950" indent="-285750" algn="l" defTabSz="457200" rtl="0" eaLnBrk="1" latinLnBrk="0" hangingPunct="1">
-              <a:spcBef>
-                <a:spcPts val="0"/>
-              </a:spcBef>
-              <a:spcAft>
-                <a:spcPts val="1000"/>
-              </a:spcAft>
-              <a:buClr>
-                <a:schemeClr val="tx1"/>
-              </a:buClr>
-              <a:buSzPct val="100000"/>
-              <a:buFont typeface="Arial"/>
-              <a:buChar char="•"/>
-              <a:defRPr sz="1600" kern="1200" cap="none">
-                <a:solidFill>
-                  <a:schemeClr val="tx1"/>
-                </a:solidFill>
-                <a:effectLst/>
-                <a:latin typeface="+mn-lt"/>
-                <a:ea typeface="+mn-ea"/>
-                <a:cs typeface="+mn-cs"/>
-              </a:defRPr>
-            </a:lvl2pPr>
-            <a:lvl3pPr marL="1200150" indent="-285750" algn="l" defTabSz="457200" rtl="0" eaLnBrk="1" latinLnBrk="0" hangingPunct="1">
-              <a:spcBef>
-                <a:spcPts val="0"/>
-              </a:spcBef>
-              <a:spcAft>
-                <a:spcPts val="1000"/>
-              </a:spcAft>
-              <a:buClr>
-                <a:schemeClr val="tx1"/>
-              </a:buClr>
-              <a:buSzPct val="100000"/>
-              <a:buFont typeface="Arial"/>
-              <a:buChar char="•"/>
-              <a:defRPr sz="1400" kern="1200" cap="none">
-                <a:solidFill>
-                  <a:schemeClr val="tx1"/>
-                </a:solidFill>
-                <a:effectLst/>
-                <a:latin typeface="+mn-lt"/>
-                <a:ea typeface="+mn-ea"/>
-                <a:cs typeface="+mn-cs"/>
-              </a:defRPr>
-            </a:lvl3pPr>
-            <a:lvl4pPr marL="1543050" indent="-171450" algn="l" defTabSz="457200" rtl="0" eaLnBrk="1" latinLnBrk="0" hangingPunct="1">
-              <a:spcBef>
-                <a:spcPts val="0"/>
-              </a:spcBef>
-              <a:spcAft>
-                <a:spcPts val="1000"/>
-              </a:spcAft>
-              <a:buClr>
-                <a:schemeClr val="tx1"/>
-              </a:buClr>
-              <a:buSzPct val="100000"/>
-              <a:buFont typeface="Arial"/>
-              <a:buChar char="•"/>
-              <a:defRPr sz="1200" kern="1200" cap="none">
-                <a:solidFill>
-                  <a:schemeClr val="tx1"/>
-                </a:solidFill>
-                <a:effectLst/>
-                <a:latin typeface="+mn-lt"/>
-                <a:ea typeface="+mn-ea"/>
-                <a:cs typeface="+mn-cs"/>
-              </a:defRPr>
-            </a:lvl4pPr>
-            <a:lvl5pPr marL="2000250" indent="-171450" algn="l" defTabSz="457200" rtl="0" eaLnBrk="1" latinLnBrk="0" hangingPunct="1">
-              <a:spcBef>
-                <a:spcPts val="0"/>
-              </a:spcBef>
-              <a:spcAft>
-                <a:spcPts val="1000"/>
-              </a:spcAft>
-              <a:buClr>
-                <a:schemeClr val="tx1"/>
-              </a:buClr>
-              <a:buSzPct val="100000"/>
-              <a:buFont typeface="Arial"/>
-              <a:buChar char="•"/>
-              <a:defRPr sz="1200" kern="1200" cap="none">
-                <a:solidFill>
-                  <a:schemeClr val="tx1"/>
-                </a:solidFill>
-                <a:effectLst/>
-                <a:latin typeface="+mn-lt"/>
-                <a:ea typeface="+mn-ea"/>
-                <a:cs typeface="+mn-cs"/>
-              </a:defRPr>
-            </a:lvl5pPr>
-            <a:lvl6pPr marL="2514600" indent="-228600" algn="l" defTabSz="457200" rtl="0" eaLnBrk="1" latinLnBrk="0" hangingPunct="1">
-              <a:spcBef>
-                <a:spcPts val="0"/>
-              </a:spcBef>
-              <a:spcAft>
-                <a:spcPts val="1000"/>
-              </a:spcAft>
-              <a:buClr>
-                <a:schemeClr val="tx1"/>
-              </a:buClr>
-              <a:buSzPct val="100000"/>
-              <a:buFont typeface="Arial"/>
-              <a:buChar char="•"/>
-              <a:defRPr sz="1200" kern="1200" cap="none">
-                <a:solidFill>
-                  <a:schemeClr val="tx1"/>
-                </a:solidFill>
-                <a:effectLst/>
-                <a:latin typeface="+mn-lt"/>
-                <a:ea typeface="+mn-ea"/>
-                <a:cs typeface="+mn-cs"/>
-              </a:defRPr>
-            </a:lvl6pPr>
-            <a:lvl7pPr marL="2971800" indent="-228600" algn="l" defTabSz="457200" rtl="0" eaLnBrk="1" latinLnBrk="0" hangingPunct="1">
-              <a:spcBef>
-                <a:spcPts val="0"/>
-              </a:spcBef>
-              <a:spcAft>
-                <a:spcPts val="1000"/>
-              </a:spcAft>
-              <a:buClr>
-                <a:schemeClr val="tx1"/>
-              </a:buClr>
-              <a:buSzPct val="100000"/>
-              <a:buFont typeface="Arial"/>
-              <a:buChar char="•"/>
-              <a:defRPr sz="1200" kern="1200" cap="none">
-                <a:solidFill>
-                  <a:schemeClr val="tx1"/>
-                </a:solidFill>
-                <a:effectLst/>
-                <a:latin typeface="+mn-lt"/>
-                <a:ea typeface="+mn-ea"/>
-                <a:cs typeface="+mn-cs"/>
-              </a:defRPr>
-            </a:lvl7pPr>
-            <a:lvl8pPr marL="3429000" indent="-228600" algn="l" defTabSz="457200" rtl="0" eaLnBrk="1" latinLnBrk="0" hangingPunct="1">
-              <a:spcBef>
-                <a:spcPts val="0"/>
-              </a:spcBef>
-              <a:spcAft>
-                <a:spcPts val="1000"/>
-              </a:spcAft>
-              <a:buClr>
-                <a:schemeClr val="tx1"/>
-              </a:buClr>
-              <a:buSzPct val="100000"/>
-              <a:buFont typeface="Arial"/>
-              <a:buChar char="•"/>
-              <a:defRPr sz="1200" kern="1200" cap="none">
-                <a:solidFill>
-                  <a:schemeClr val="tx1"/>
-                </a:solidFill>
-                <a:effectLst/>
-                <a:latin typeface="+mn-lt"/>
-                <a:ea typeface="+mn-ea"/>
-                <a:cs typeface="+mn-cs"/>
-              </a:defRPr>
-            </a:lvl8pPr>
-            <a:lvl9pPr marL="3886200" indent="-228600" algn="l" defTabSz="457200" rtl="0" eaLnBrk="1" latinLnBrk="0" hangingPunct="1">
-              <a:spcBef>
-                <a:spcPts val="0"/>
-              </a:spcBef>
-              <a:spcAft>
-                <a:spcPts val="1000"/>
-              </a:spcAft>
-              <a:buClr>
-                <a:schemeClr val="tx1"/>
-              </a:buClr>
-              <a:buSzPct val="100000"/>
-              <a:buFont typeface="Arial"/>
-              <a:buChar char="•"/>
-              <a:defRPr sz="1200" kern="1200" cap="none">
-                <a:solidFill>
-                  <a:schemeClr val="tx1"/>
-                </a:solidFill>
-                <a:effectLst/>
-                <a:latin typeface="+mn-lt"/>
-                <a:ea typeface="+mn-ea"/>
-                <a:cs typeface="+mn-cs"/>
-              </a:defRPr>
-            </a:lvl9pPr>
-          </a:lstStyle>
-          <a:p>
-            <a:pPr marL="0" indent="0">
-              <a:buNone/>
-            </a:pPr>
-            <a:r>
-              <a:rPr lang="en-US" altLang="zh-CN" sz="3200" dirty="0"/>
-              <a:t>Use </a:t>
-            </a:r>
-            <a:r>
-              <a:rPr lang="en-US" altLang="zh-CN" sz="3200" dirty="0" err="1"/>
-              <a:t>mysqli</a:t>
-            </a:r>
-            <a:r>
-              <a:rPr lang="en-US" altLang="zh-CN" sz="3200" dirty="0"/>
-              <a:t> to execute the query</a:t>
-            </a:r>
-            <a:r>
-              <a:rPr lang="en-US" altLang="zh-CN" sz="3200" dirty="0" smtClean="0"/>
-              <a:t>.</a:t>
-            </a:r>
-          </a:p>
-          <a:p>
-            <a:pPr marL="0" indent="0">
-              <a:buNone/>
-            </a:pPr>
-            <a:r>
-              <a:rPr lang="en-US" altLang="zh-CN" sz="3200" dirty="0" smtClean="0"/>
-              <a:t>Use </a:t>
-            </a:r>
-            <a:r>
-              <a:rPr lang="en-US" altLang="zh-CN" sz="3200" dirty="0" err="1" smtClean="0"/>
-              <a:t>accesslevels</a:t>
-            </a:r>
-            <a:r>
-              <a:rPr lang="en-US" altLang="zh-CN" sz="3200" dirty="0" smtClean="0"/>
-              <a:t> to gain access to admin functions.</a:t>
-            </a:r>
-          </a:p>
-          <a:p>
-            <a:pPr marL="0" indent="0">
-              <a:buNone/>
-            </a:pPr>
-            <a:r>
-              <a:rPr lang="en-US" altLang="zh-CN" sz="3200" dirty="0" smtClean="0"/>
-              <a:t>Can’t ban or delete comments of a user with higher access level.</a:t>
-            </a:r>
-            <a:endParaRPr lang="en-US" altLang="zh-CN" sz="3200" dirty="0"/>
-          </a:p>
-        </p:txBody>
-      </p:sp>
-    </p:spTree>
-    <p:extLst>
-      <p:ext uri="{BB962C8B-B14F-4D97-AF65-F5344CB8AC3E}">
-        <p14:creationId xmlns:p14="http://schemas.microsoft.com/office/powerpoint/2010/main" val="3939779968"/>
-      </p:ext>
-    </p:extLst>
-  </p:cSld>
-  <p:clrMapOvr>
-    <a:masterClrMapping/>
-  </p:clrMapOvr>
-  <mc:AlternateContent xmlns:mc="http://schemas.openxmlformats.org/markup-compatibility/2006" xmlns:p14="http://schemas.microsoft.com/office/powerpoint/2010/main">
-    <mc:Choice Requires="p14">
-      <p:transition spd="slow" p14:dur="1200">
-        <p14:prism/>
-      </p:transition>
-    </mc:Choice>
-    <mc:Fallback xmlns="">
-      <p:transition spd="slow">
-        <p:fade/>
-      </p:transition>
-    </mc:Fallback>
-  </mc:AlternateContent>
-  <p:timing>
-    <p:tnLst>
-      <p:par>
-        <p:cTn id="1" dur="indefinite" restart="never" nodeType="tmRoot">
-          <p:childTnLst>
-            <p:seq concurrent="1" nextAc="seek">
-              <p:cTn id="2" dur="indefinite" nodeType="mainSeq">
-                <p:childTnLst>
-                  <p:par>
-                    <p:cTn id="3" fill="hold">
-                      <p:stCondLst>
-                        <p:cond delay="indefinite"/>
-                      </p:stCondLst>
-                      <p:childTnLst>
-                        <p:par>
-                          <p:cTn id="4" fill="hold">
-                            <p:stCondLst>
-                              <p:cond delay="0"/>
-                            </p:stCondLst>
-                            <p:childTnLst>
-                              <p:par>
-                                <p:cTn id="5" presetID="42" presetClass="entr" presetSubtype="0" fill="hold" grpId="0" nodeType="clickEffect">
-                                  <p:stCondLst>
-                                    <p:cond delay="0"/>
-                                  </p:stCondLst>
-                                  <p:childTnLst>
-                                    <p:set>
-                                      <p:cBhvr>
-                                        <p:cTn id="6" dur="1" fill="hold">
-                                          <p:stCondLst>
-                                            <p:cond delay="0"/>
-                                          </p:stCondLst>
-                                        </p:cTn>
-                                        <p:tgtEl>
-                                          <p:spTgt spid="7"/>
-                                        </p:tgtEl>
-                                        <p:attrNameLst>
-                                          <p:attrName>style.visibility</p:attrName>
-                                        </p:attrNameLst>
-                                      </p:cBhvr>
-                                      <p:to>
-                                        <p:strVal val="visible"/>
-                                      </p:to>
-                                    </p:set>
-                                    <p:animEffect transition="in" filter="fade">
-                                      <p:cBhvr>
-                                        <p:cTn id="7" dur="1000"/>
-                                        <p:tgtEl>
-                                          <p:spTgt spid="7"/>
-                                        </p:tgtEl>
-                                      </p:cBhvr>
-                                    </p:animEffect>
-                                    <p:anim calcmode="lin" valueType="num">
-                                      <p:cBhvr>
-                                        <p:cTn id="8" dur="1000" fill="hold"/>
-                                        <p:tgtEl>
-                                          <p:spTgt spid="7"/>
-                                        </p:tgtEl>
-                                        <p:attrNameLst>
-                                          <p:attrName>ppt_x</p:attrName>
-                                        </p:attrNameLst>
-                                      </p:cBhvr>
-                                      <p:tavLst>
-                                        <p:tav tm="0">
-                                          <p:val>
-                                            <p:strVal val="#ppt_x"/>
-                                          </p:val>
-                                        </p:tav>
-                                        <p:tav tm="100000">
-                                          <p:val>
-                                            <p:strVal val="#ppt_x"/>
-                                          </p:val>
-                                        </p:tav>
-                                      </p:tavLst>
-                                    </p:anim>
-                                    <p:anim calcmode="lin" valueType="num">
-                                      <p:cBhvr>
-                                        <p:cTn id="9" dur="1000" fill="hold"/>
-                                        <p:tgtEl>
-                                          <p:spTgt spid="7"/>
-                                        </p:tgtEl>
-                                        <p:attrNameLst>
-                                          <p:attrName>ppt_y</p:attrName>
-                                        </p:attrNameLst>
-                                      </p:cBhvr>
-                                      <p:tavLst>
-                                        <p:tav tm="0">
-                                          <p:val>
-                                            <p:strVal val="#ppt_y+.1"/>
-                                          </p:val>
-                                        </p:tav>
-                                        <p:tav tm="100000">
-                                          <p:val>
-                                            <p:strVal val="#ppt_y"/>
-                                          </p:val>
-                                        </p:tav>
-                                      </p:tavLst>
-                                    </p:anim>
-                                  </p:childTnLst>
-                                </p:cTn>
-                              </p:par>
-                            </p:childTnLst>
-                          </p:cTn>
-                        </p:par>
-                      </p:childTnLst>
-                    </p:cTn>
-                  </p:par>
-                </p:childTnLst>
-              </p:cTn>
-              <p:prevCondLst>
-                <p:cond evt="onPrev" delay="0">
-                  <p:tgtEl>
-                    <p:sldTgt/>
-                  </p:tgtEl>
-                </p:cond>
-              </p:prevCondLst>
-              <p:nextCondLst>
-                <p:cond evt="onNext" delay="0">
-                  <p:tgtEl>
-                    <p:sldTgt/>
-                  </p:tgtEl>
-                </p:cond>
-              </p:nextCondLst>
-            </p:seq>
-          </p:childTnLst>
-        </p:cTn>
-      </p:par>
-    </p:tnLst>
-    <p:bldLst>
-      <p:bldP spid="7" grpId="0"/>
     </p:bldLst>
   </p:timing>
 </p:sld>

--- a/Documents/SEPR_Group_D.pptx
+++ b/Documents/SEPR_Group_D.pptx
@@ -4,6 +4,9 @@
   <p:sldMasterIdLst>
     <p:sldMasterId id="2147483648" r:id="rId1"/>
   </p:sldMasterIdLst>
+  <p:notesMasterIdLst>
+    <p:notesMasterId r:id="rId16"/>
+  </p:notesMasterIdLst>
   <p:sldIdLst>
     <p:sldId id="256" r:id="rId2"/>
     <p:sldId id="257" r:id="rId3"/>
@@ -123,6 +126,468 @@
     </p:ext>
   </p:extLst>
 </p:presentation>
+</file>
+
+<file path=ppt/commentAuthors.xml><?xml version="1.0" encoding="utf-8"?>
+<p:cmAuthorLst xmlns:a="http://schemas.openxmlformats.org/drawingml/2006/main" xmlns:r="http://schemas.openxmlformats.org/officeDocument/2006/relationships" xmlns:p="http://schemas.openxmlformats.org/presentationml/2006/main">
+  <p:cmAuthor id="1" name="Kalina" initials="P" lastIdx="0" clrIdx="0">
+    <p:extLst>
+      <p:ext uri="{19B8F6BF-5375-455C-9EA6-DF929625EA0E}">
+        <p15:presenceInfo xmlns:p15="http://schemas.microsoft.com/office/powerpoint/2012/main" userId="Kalina" providerId="None"/>
+      </p:ext>
+    </p:extLst>
+  </p:cmAuthor>
+</p:cmAuthorLst>
+</file>
+
+<file path=ppt/notesMasters/notesMaster1.xml><?xml version="1.0" encoding="utf-8"?>
+<p:notesMaster xmlns:a="http://schemas.openxmlformats.org/drawingml/2006/main" xmlns:r="http://schemas.openxmlformats.org/officeDocument/2006/relationships" xmlns:p="http://schemas.openxmlformats.org/presentationml/2006/main">
+  <p:cSld>
+    <p:bg>
+      <p:bgRef idx="1001">
+        <a:schemeClr val="bg1"/>
+      </p:bgRef>
+    </p:bg>
+    <p:spTree>
+      <p:nvGrpSpPr>
+        <p:cNvPr id="1" name=""/>
+        <p:cNvGrpSpPr/>
+        <p:nvPr/>
+      </p:nvGrpSpPr>
+      <p:grpSpPr>
+        <a:xfrm>
+          <a:off x="0" y="0"/>
+          <a:ext cx="0" cy="0"/>
+          <a:chOff x="0" y="0"/>
+          <a:chExt cx="0" cy="0"/>
+        </a:xfrm>
+      </p:grpSpPr>
+      <p:sp>
+        <p:nvSpPr>
+          <p:cNvPr id="2" name="Header Placeholder 1"/>
+          <p:cNvSpPr>
+            <a:spLocks noGrp="1"/>
+          </p:cNvSpPr>
+          <p:nvPr>
+            <p:ph type="hdr" sz="quarter"/>
+          </p:nvPr>
+        </p:nvSpPr>
+        <p:spPr>
+          <a:xfrm>
+            <a:off x="0" y="0"/>
+            <a:ext cx="2971800" cy="458788"/>
+          </a:xfrm>
+          <a:prstGeom prst="rect">
+            <a:avLst/>
+          </a:prstGeom>
+        </p:spPr>
+        <p:txBody>
+          <a:bodyPr vert="horz" lIns="91440" tIns="45720" rIns="91440" bIns="45720" rtlCol="0"/>
+          <a:lstStyle>
+            <a:lvl1pPr algn="l">
+              <a:defRPr sz="1200"/>
+            </a:lvl1pPr>
+          </a:lstStyle>
+          <a:p>
+            <a:endParaRPr lang="bg-BG"/>
+          </a:p>
+        </p:txBody>
+      </p:sp>
+      <p:sp>
+        <p:nvSpPr>
+          <p:cNvPr id="3" name="Date Placeholder 2"/>
+          <p:cNvSpPr>
+            <a:spLocks noGrp="1"/>
+          </p:cNvSpPr>
+          <p:nvPr>
+            <p:ph type="dt" idx="1"/>
+          </p:nvPr>
+        </p:nvSpPr>
+        <p:spPr>
+          <a:xfrm>
+            <a:off x="3884613" y="0"/>
+            <a:ext cx="2971800" cy="458788"/>
+          </a:xfrm>
+          <a:prstGeom prst="rect">
+            <a:avLst/>
+          </a:prstGeom>
+        </p:spPr>
+        <p:txBody>
+          <a:bodyPr vert="horz" lIns="91440" tIns="45720" rIns="91440" bIns="45720" rtlCol="0"/>
+          <a:lstStyle>
+            <a:lvl1pPr algn="r">
+              <a:defRPr sz="1200"/>
+            </a:lvl1pPr>
+          </a:lstStyle>
+          <a:p>
+            <a:fld id="{42D31CB7-07C5-4A54-A5F1-52EF7EBEFA85}" type="datetimeFigureOut">
+              <a:rPr lang="bg-BG" smtClean="0"/>
+              <a:t>20.10.2016 г.</a:t>
+            </a:fld>
+            <a:endParaRPr lang="bg-BG"/>
+          </a:p>
+        </p:txBody>
+      </p:sp>
+      <p:sp>
+        <p:nvSpPr>
+          <p:cNvPr id="4" name="Slide Image Placeholder 3"/>
+          <p:cNvSpPr>
+            <a:spLocks noGrp="1" noRot="1" noChangeAspect="1"/>
+          </p:cNvSpPr>
+          <p:nvPr>
+            <p:ph type="sldImg" idx="2"/>
+          </p:nvPr>
+        </p:nvSpPr>
+        <p:spPr>
+          <a:xfrm>
+            <a:off x="685800" y="1143000"/>
+            <a:ext cx="5486400" cy="3086100"/>
+          </a:xfrm>
+          <a:prstGeom prst="rect">
+            <a:avLst/>
+          </a:prstGeom>
+          <a:noFill/>
+          <a:ln w="12700">
+            <a:solidFill>
+              <a:prstClr val="black"/>
+            </a:solidFill>
+          </a:ln>
+        </p:spPr>
+        <p:txBody>
+          <a:bodyPr vert="horz" lIns="91440" tIns="45720" rIns="91440" bIns="45720" rtlCol="0" anchor="ctr"/>
+          <a:lstStyle/>
+          <a:p>
+            <a:endParaRPr lang="bg-BG"/>
+          </a:p>
+        </p:txBody>
+      </p:sp>
+      <p:sp>
+        <p:nvSpPr>
+          <p:cNvPr id="5" name="Notes Placeholder 4"/>
+          <p:cNvSpPr>
+            <a:spLocks noGrp="1"/>
+          </p:cNvSpPr>
+          <p:nvPr>
+            <p:ph type="body" sz="quarter" idx="3"/>
+          </p:nvPr>
+        </p:nvSpPr>
+        <p:spPr>
+          <a:xfrm>
+            <a:off x="685800" y="4400550"/>
+            <a:ext cx="5486400" cy="3600450"/>
+          </a:xfrm>
+          <a:prstGeom prst="rect">
+            <a:avLst/>
+          </a:prstGeom>
+        </p:spPr>
+        <p:txBody>
+          <a:bodyPr vert="horz" lIns="91440" tIns="45720" rIns="91440" bIns="45720" rtlCol="0"/>
+          <a:lstStyle/>
+          <a:p>
+            <a:pPr lvl="0"/>
+            <a:r>
+              <a:rPr lang="en-US" smtClean="0"/>
+              <a:t>Click to edit Master text styles</a:t>
+            </a:r>
+          </a:p>
+          <a:p>
+            <a:pPr lvl="1"/>
+            <a:r>
+              <a:rPr lang="en-US" smtClean="0"/>
+              <a:t>Second level</a:t>
+            </a:r>
+          </a:p>
+          <a:p>
+            <a:pPr lvl="2"/>
+            <a:r>
+              <a:rPr lang="en-US" smtClean="0"/>
+              <a:t>Third level</a:t>
+            </a:r>
+          </a:p>
+          <a:p>
+            <a:pPr lvl="3"/>
+            <a:r>
+              <a:rPr lang="en-US" smtClean="0"/>
+              <a:t>Fourth level</a:t>
+            </a:r>
+          </a:p>
+          <a:p>
+            <a:pPr lvl="4"/>
+            <a:r>
+              <a:rPr lang="en-US" smtClean="0"/>
+              <a:t>Fifth level</a:t>
+            </a:r>
+            <a:endParaRPr lang="bg-BG"/>
+          </a:p>
+        </p:txBody>
+      </p:sp>
+      <p:sp>
+        <p:nvSpPr>
+          <p:cNvPr id="6" name="Footer Placeholder 5"/>
+          <p:cNvSpPr>
+            <a:spLocks noGrp="1"/>
+          </p:cNvSpPr>
+          <p:nvPr>
+            <p:ph type="ftr" sz="quarter" idx="4"/>
+          </p:nvPr>
+        </p:nvSpPr>
+        <p:spPr>
+          <a:xfrm>
+            <a:off x="0" y="8685213"/>
+            <a:ext cx="2971800" cy="458787"/>
+          </a:xfrm>
+          <a:prstGeom prst="rect">
+            <a:avLst/>
+          </a:prstGeom>
+        </p:spPr>
+        <p:txBody>
+          <a:bodyPr vert="horz" lIns="91440" tIns="45720" rIns="91440" bIns="45720" rtlCol="0" anchor="b"/>
+          <a:lstStyle>
+            <a:lvl1pPr algn="l">
+              <a:defRPr sz="1200"/>
+            </a:lvl1pPr>
+          </a:lstStyle>
+          <a:p>
+            <a:endParaRPr lang="bg-BG"/>
+          </a:p>
+        </p:txBody>
+      </p:sp>
+      <p:sp>
+        <p:nvSpPr>
+          <p:cNvPr id="7" name="Slide Number Placeholder 6"/>
+          <p:cNvSpPr>
+            <a:spLocks noGrp="1"/>
+          </p:cNvSpPr>
+          <p:nvPr>
+            <p:ph type="sldNum" sz="quarter" idx="5"/>
+          </p:nvPr>
+        </p:nvSpPr>
+        <p:spPr>
+          <a:xfrm>
+            <a:off x="3884613" y="8685213"/>
+            <a:ext cx="2971800" cy="458787"/>
+          </a:xfrm>
+          <a:prstGeom prst="rect">
+            <a:avLst/>
+          </a:prstGeom>
+        </p:spPr>
+        <p:txBody>
+          <a:bodyPr vert="horz" lIns="91440" tIns="45720" rIns="91440" bIns="45720" rtlCol="0" anchor="b"/>
+          <a:lstStyle>
+            <a:lvl1pPr algn="r">
+              <a:defRPr sz="1200"/>
+            </a:lvl1pPr>
+          </a:lstStyle>
+          <a:p>
+            <a:fld id="{A862FA8B-7FB5-4591-9BE0-65CED82ED167}" type="slidenum">
+              <a:rPr lang="bg-BG" smtClean="0"/>
+              <a:t>‹#›</a:t>
+            </a:fld>
+            <a:endParaRPr lang="bg-BG"/>
+          </a:p>
+        </p:txBody>
+      </p:sp>
+    </p:spTree>
+    <p:extLst>
+      <p:ext uri="{BB962C8B-B14F-4D97-AF65-F5344CB8AC3E}">
+        <p14:creationId xmlns:p14="http://schemas.microsoft.com/office/powerpoint/2010/main" val="676322321"/>
+      </p:ext>
+    </p:extLst>
+  </p:cSld>
+  <p:clrMap bg1="lt1" tx1="dk1" bg2="lt2" tx2="dk2" accent1="accent1" accent2="accent2" accent3="accent3" accent4="accent4" accent5="accent5" accent6="accent6" hlink="hlink" folHlink="folHlink"/>
+  <p:notesStyle>
+    <a:lvl1pPr marL="0" algn="l" defTabSz="914400" rtl="0" eaLnBrk="1" latinLnBrk="0" hangingPunct="1">
+      <a:defRPr sz="1200" kern="1200">
+        <a:solidFill>
+          <a:schemeClr val="tx1"/>
+        </a:solidFill>
+        <a:latin typeface="+mn-lt"/>
+        <a:ea typeface="+mn-ea"/>
+        <a:cs typeface="+mn-cs"/>
+      </a:defRPr>
+    </a:lvl1pPr>
+    <a:lvl2pPr marL="457200" algn="l" defTabSz="914400" rtl="0" eaLnBrk="1" latinLnBrk="0" hangingPunct="1">
+      <a:defRPr sz="1200" kern="1200">
+        <a:solidFill>
+          <a:schemeClr val="tx1"/>
+        </a:solidFill>
+        <a:latin typeface="+mn-lt"/>
+        <a:ea typeface="+mn-ea"/>
+        <a:cs typeface="+mn-cs"/>
+      </a:defRPr>
+    </a:lvl2pPr>
+    <a:lvl3pPr marL="914400" algn="l" defTabSz="914400" rtl="0" eaLnBrk="1" latinLnBrk="0" hangingPunct="1">
+      <a:defRPr sz="1200" kern="1200">
+        <a:solidFill>
+          <a:schemeClr val="tx1"/>
+        </a:solidFill>
+        <a:latin typeface="+mn-lt"/>
+        <a:ea typeface="+mn-ea"/>
+        <a:cs typeface="+mn-cs"/>
+      </a:defRPr>
+    </a:lvl3pPr>
+    <a:lvl4pPr marL="1371600" algn="l" defTabSz="914400" rtl="0" eaLnBrk="1" latinLnBrk="0" hangingPunct="1">
+      <a:defRPr sz="1200" kern="1200">
+        <a:solidFill>
+          <a:schemeClr val="tx1"/>
+        </a:solidFill>
+        <a:latin typeface="+mn-lt"/>
+        <a:ea typeface="+mn-ea"/>
+        <a:cs typeface="+mn-cs"/>
+      </a:defRPr>
+    </a:lvl4pPr>
+    <a:lvl5pPr marL="1828800" algn="l" defTabSz="914400" rtl="0" eaLnBrk="1" latinLnBrk="0" hangingPunct="1">
+      <a:defRPr sz="1200" kern="1200">
+        <a:solidFill>
+          <a:schemeClr val="tx1"/>
+        </a:solidFill>
+        <a:latin typeface="+mn-lt"/>
+        <a:ea typeface="+mn-ea"/>
+        <a:cs typeface="+mn-cs"/>
+      </a:defRPr>
+    </a:lvl5pPr>
+    <a:lvl6pPr marL="2286000" algn="l" defTabSz="914400" rtl="0" eaLnBrk="1" latinLnBrk="0" hangingPunct="1">
+      <a:defRPr sz="1200" kern="1200">
+        <a:solidFill>
+          <a:schemeClr val="tx1"/>
+        </a:solidFill>
+        <a:latin typeface="+mn-lt"/>
+        <a:ea typeface="+mn-ea"/>
+        <a:cs typeface="+mn-cs"/>
+      </a:defRPr>
+    </a:lvl6pPr>
+    <a:lvl7pPr marL="2743200" algn="l" defTabSz="914400" rtl="0" eaLnBrk="1" latinLnBrk="0" hangingPunct="1">
+      <a:defRPr sz="1200" kern="1200">
+        <a:solidFill>
+          <a:schemeClr val="tx1"/>
+        </a:solidFill>
+        <a:latin typeface="+mn-lt"/>
+        <a:ea typeface="+mn-ea"/>
+        <a:cs typeface="+mn-cs"/>
+      </a:defRPr>
+    </a:lvl7pPr>
+    <a:lvl8pPr marL="3200400" algn="l" defTabSz="914400" rtl="0" eaLnBrk="1" latinLnBrk="0" hangingPunct="1">
+      <a:defRPr sz="1200" kern="1200">
+        <a:solidFill>
+          <a:schemeClr val="tx1"/>
+        </a:solidFill>
+        <a:latin typeface="+mn-lt"/>
+        <a:ea typeface="+mn-ea"/>
+        <a:cs typeface="+mn-cs"/>
+      </a:defRPr>
+    </a:lvl8pPr>
+    <a:lvl9pPr marL="3657600" algn="l" defTabSz="914400" rtl="0" eaLnBrk="1" latinLnBrk="0" hangingPunct="1">
+      <a:defRPr sz="1200" kern="1200">
+        <a:solidFill>
+          <a:schemeClr val="tx1"/>
+        </a:solidFill>
+        <a:latin typeface="+mn-lt"/>
+        <a:ea typeface="+mn-ea"/>
+        <a:cs typeface="+mn-cs"/>
+      </a:defRPr>
+    </a:lvl9pPr>
+  </p:notesStyle>
+</p:notesMaster>
+</file>
+
+<file path=ppt/notesSlides/notesSlide1.xml><?xml version="1.0" encoding="utf-8"?>
+<p:notes xmlns:a="http://schemas.openxmlformats.org/drawingml/2006/main" xmlns:r="http://schemas.openxmlformats.org/officeDocument/2006/relationships" xmlns:p="http://schemas.openxmlformats.org/presentationml/2006/main">
+  <p:cSld>
+    <p:spTree>
+      <p:nvGrpSpPr>
+        <p:cNvPr id="1" name=""/>
+        <p:cNvGrpSpPr/>
+        <p:nvPr/>
+      </p:nvGrpSpPr>
+      <p:grpSpPr>
+        <a:xfrm>
+          <a:off x="0" y="0"/>
+          <a:ext cx="0" cy="0"/>
+          <a:chOff x="0" y="0"/>
+          <a:chExt cx="0" cy="0"/>
+        </a:xfrm>
+      </p:grpSpPr>
+      <p:sp>
+        <p:nvSpPr>
+          <p:cNvPr id="2" name="Slide Image Placeholder 1"/>
+          <p:cNvSpPr>
+            <a:spLocks noGrp="1" noRot="1" noChangeAspect="1"/>
+          </p:cNvSpPr>
+          <p:nvPr>
+            <p:ph type="sldImg"/>
+          </p:nvPr>
+        </p:nvSpPr>
+        <p:spPr/>
+      </p:sp>
+      <p:sp>
+        <p:nvSpPr>
+          <p:cNvPr id="3" name="Notes Placeholder 2"/>
+          <p:cNvSpPr>
+            <a:spLocks noGrp="1"/>
+          </p:cNvSpPr>
+          <p:nvPr>
+            <p:ph type="body" idx="1"/>
+          </p:nvPr>
+        </p:nvSpPr>
+        <p:spPr/>
+        <p:txBody>
+          <a:bodyPr/>
+          <a:lstStyle/>
+          <a:p>
+            <a:r>
+              <a:rPr lang="en-US" smtClean="0"/>
+              <a:t>SQL injection</a:t>
+            </a:r>
+            <a:r>
+              <a:rPr lang="en-US" baseline="0" smtClean="0"/>
+              <a:t> </a:t>
+            </a:r>
+            <a:r>
+              <a:rPr lang="en-US" baseline="0" dirty="0" smtClean="0"/>
+              <a:t>will </a:t>
+            </a:r>
+            <a:r>
+              <a:rPr lang="en-US" baseline="0" smtClean="0"/>
+              <a:t>be prevented </a:t>
+            </a:r>
+            <a:endParaRPr lang="bg-BG" dirty="0"/>
+          </a:p>
+        </p:txBody>
+      </p:sp>
+      <p:sp>
+        <p:nvSpPr>
+          <p:cNvPr id="4" name="Slide Number Placeholder 3"/>
+          <p:cNvSpPr>
+            <a:spLocks noGrp="1"/>
+          </p:cNvSpPr>
+          <p:nvPr>
+            <p:ph type="sldNum" sz="quarter" idx="10"/>
+          </p:nvPr>
+        </p:nvSpPr>
+        <p:spPr/>
+        <p:txBody>
+          <a:bodyPr/>
+          <a:lstStyle/>
+          <a:p>
+            <a:fld id="{A862FA8B-7FB5-4591-9BE0-65CED82ED167}" type="slidenum">
+              <a:rPr lang="bg-BG" smtClean="0"/>
+              <a:t>8</a:t>
+            </a:fld>
+            <a:endParaRPr lang="bg-BG"/>
+          </a:p>
+        </p:txBody>
+      </p:sp>
+    </p:spTree>
+    <p:extLst>
+      <p:ext uri="{BB962C8B-B14F-4D97-AF65-F5344CB8AC3E}">
+        <p14:creationId xmlns:p14="http://schemas.microsoft.com/office/powerpoint/2010/main" val="4189929571"/>
+      </p:ext>
+    </p:extLst>
+  </p:cSld>
+  <p:clrMapOvr>
+    <a:masterClrMapping/>
+  </p:clrMapOvr>
+</p:notes>
 </file>
 
 <file path=ppt/slideLayouts/slideLayout1.xml><?xml version="1.0" encoding="utf-8"?>
@@ -8096,7 +8561,6 @@
               <a:rPr lang="en-US" altLang="zh-CN" sz="3200" dirty="0" smtClean="0"/>
               <a:t>Avatar upload</a:t>
             </a:r>
-            <a:endParaRPr lang="en-US" altLang="zh-CN" sz="3200" dirty="0" smtClean="0"/>
           </a:p>
           <a:p>
             <a:r>
@@ -9380,13 +9844,8 @@
             </a:pPr>
             <a:r>
               <a:rPr lang="en-US" altLang="zh-CN" sz="3200" dirty="0" smtClean="0"/>
-              <a:t>Regular expression </a:t>
-            </a:r>
-            <a:r>
-              <a:rPr lang="en-US" altLang="zh-CN" sz="3200" dirty="0" smtClean="0"/>
-              <a:t>check – emails and passwords.</a:t>
-            </a:r>
-            <a:endParaRPr lang="en-US" altLang="zh-CN" sz="3200" dirty="0" smtClean="0"/>
+              <a:t>Regular expression check – emails and passwords.</a:t>
+            </a:r>
           </a:p>
           <a:p>
             <a:pPr marL="0" indent="0">
@@ -9850,11 +10309,7 @@
           <a:p>
             <a:r>
               <a:rPr lang="en-US" dirty="0" smtClean="0"/>
-              <a:t>Each user – different </a:t>
-            </a:r>
-            <a:r>
-              <a:rPr lang="en-US" dirty="0" smtClean="0"/>
-              <a:t>salt.</a:t>
+              <a:t>Each user – different salt.</a:t>
             </a:r>
           </a:p>
           <a:p>
@@ -10504,7 +10959,7 @@
           <p:nvPr/>
         </p:nvPicPr>
         <p:blipFill>
-          <a:blip r:embed="rId2">
+          <a:blip r:embed="rId3">
             <a:extLst>
               <a:ext uri="{28A0092B-C50C-407E-A947-70E740481C1C}">
                 <a14:useLocalDpi xmlns:a14="http://schemas.microsoft.com/office/drawing/2010/main" val="0"/>
@@ -11318,4 +11773,265 @@
     </a:ext>
   </a:extLst>
 </a:theme>
+</file>
+
+<file path=ppt/theme/theme2.xml><?xml version="1.0" encoding="utf-8"?>
+<a:theme xmlns:a="http://schemas.openxmlformats.org/drawingml/2006/main" name="Office Theme">
+  <a:themeElements>
+    <a:clrScheme name="Office">
+      <a:dk1>
+        <a:sysClr val="windowText" lastClr="000000"/>
+      </a:dk1>
+      <a:lt1>
+        <a:sysClr val="window" lastClr="FFFFFF"/>
+      </a:lt1>
+      <a:dk2>
+        <a:srgbClr val="44546A"/>
+      </a:dk2>
+      <a:lt2>
+        <a:srgbClr val="E7E6E6"/>
+      </a:lt2>
+      <a:accent1>
+        <a:srgbClr val="5B9BD5"/>
+      </a:accent1>
+      <a:accent2>
+        <a:srgbClr val="ED7D31"/>
+      </a:accent2>
+      <a:accent3>
+        <a:srgbClr val="A5A5A5"/>
+      </a:accent3>
+      <a:accent4>
+        <a:srgbClr val="FFC000"/>
+      </a:accent4>
+      <a:accent5>
+        <a:srgbClr val="4472C4"/>
+      </a:accent5>
+      <a:accent6>
+        <a:srgbClr val="70AD47"/>
+      </a:accent6>
+      <a:hlink>
+        <a:srgbClr val="0563C1"/>
+      </a:hlink>
+      <a:folHlink>
+        <a:srgbClr val="954F72"/>
+      </a:folHlink>
+    </a:clrScheme>
+    <a:fontScheme name="Office">
+      <a:majorFont>
+        <a:latin typeface="Calibri Light" panose="020F0302020204030204"/>
+        <a:ea typeface=""/>
+        <a:cs typeface=""/>
+        <a:font script="Jpan" typeface="ＭＳ Ｐゴシック"/>
+        <a:font script="Hang" typeface="맑은 고딕"/>
+        <a:font script="Hans" typeface="宋体"/>
+        <a:font script="Hant" typeface="新細明體"/>
+        <a:font script="Arab" typeface="Times New Roman"/>
+        <a:font script="Hebr" typeface="Times New Roman"/>
+        <a:font script="Thai" typeface="Angsana New"/>
+        <a:font script="Ethi" typeface="Nyala"/>
+        <a:font script="Beng" typeface="Vrinda"/>
+        <a:font script="Gujr" typeface="Shruti"/>
+        <a:font script="Khmr" typeface="MoolBoran"/>
+        <a:font script="Knda" typeface="Tunga"/>
+        <a:font script="Guru" typeface="Raavi"/>
+        <a:font script="Cans" typeface="Euphemia"/>
+        <a:font script="Cher" typeface="Plantagenet Cherokee"/>
+        <a:font script="Yiii" typeface="Microsoft Yi Baiti"/>
+        <a:font script="Tibt" typeface="Microsoft Himalaya"/>
+        <a:font script="Thaa" typeface="MV Boli"/>
+        <a:font script="Deva" typeface="Mangal"/>
+        <a:font script="Telu" typeface="Gautami"/>
+        <a:font script="Taml" typeface="Latha"/>
+        <a:font script="Syrc" typeface="Estrangelo Edessa"/>
+        <a:font script="Orya" typeface="Kalinga"/>
+        <a:font script="Mlym" typeface="Kartika"/>
+        <a:font script="Laoo" typeface="DokChampa"/>
+        <a:font script="Sinh" typeface="Iskoola Pota"/>
+        <a:font script="Mong" typeface="Mongolian Baiti"/>
+        <a:font script="Viet" typeface="Times New Roman"/>
+        <a:font script="Uigh" typeface="Microsoft Uighur"/>
+        <a:font script="Geor" typeface="Sylfaen"/>
+      </a:majorFont>
+      <a:minorFont>
+        <a:latin typeface="Calibri" panose="020F0502020204030204"/>
+        <a:ea typeface=""/>
+        <a:cs typeface=""/>
+        <a:font script="Jpan" typeface="ＭＳ Ｐゴシック"/>
+        <a:font script="Hang" typeface="맑은 고딕"/>
+        <a:font script="Hans" typeface="宋体"/>
+        <a:font script="Hant" typeface="新細明體"/>
+        <a:font script="Arab" typeface="Arial"/>
+        <a:font script="Hebr" typeface="Arial"/>
+        <a:font script="Thai" typeface="Cordia New"/>
+        <a:font script="Ethi" typeface="Nyala"/>
+        <a:font script="Beng" typeface="Vrinda"/>
+        <a:font script="Gujr" typeface="Shruti"/>
+        <a:font script="Khmr" typeface="DaunPenh"/>
+        <a:font script="Knda" typeface="Tunga"/>
+        <a:font script="Guru" typeface="Raavi"/>
+        <a:font script="Cans" typeface="Euphemia"/>
+        <a:font script="Cher" typeface="Plantagenet Cherokee"/>
+        <a:font script="Yiii" typeface="Microsoft Yi Baiti"/>
+        <a:font script="Tibt" typeface="Microsoft Himalaya"/>
+        <a:font script="Thaa" typeface="MV Boli"/>
+        <a:font script="Deva" typeface="Mangal"/>
+        <a:font script="Telu" typeface="Gautami"/>
+        <a:font script="Taml" typeface="Latha"/>
+        <a:font script="Syrc" typeface="Estrangelo Edessa"/>
+        <a:font script="Orya" typeface="Kalinga"/>
+        <a:font script="Mlym" typeface="Kartika"/>
+        <a:font script="Laoo" typeface="DokChampa"/>
+        <a:font script="Sinh" typeface="Iskoola Pota"/>
+        <a:font script="Mong" typeface="Mongolian Baiti"/>
+        <a:font script="Viet" typeface="Arial"/>
+        <a:font script="Uigh" typeface="Microsoft Uighur"/>
+        <a:font script="Geor" typeface="Sylfaen"/>
+      </a:minorFont>
+    </a:fontScheme>
+    <a:fmtScheme name="Office">
+      <a:fillStyleLst>
+        <a:solidFill>
+          <a:schemeClr val="phClr"/>
+        </a:solidFill>
+        <a:gradFill rotWithShape="1">
+          <a:gsLst>
+            <a:gs pos="0">
+              <a:schemeClr val="phClr">
+                <a:lumMod val="110000"/>
+                <a:satMod val="105000"/>
+                <a:tint val="67000"/>
+              </a:schemeClr>
+            </a:gs>
+            <a:gs pos="50000">
+              <a:schemeClr val="phClr">
+                <a:lumMod val="105000"/>
+                <a:satMod val="103000"/>
+                <a:tint val="73000"/>
+              </a:schemeClr>
+            </a:gs>
+            <a:gs pos="100000">
+              <a:schemeClr val="phClr">
+                <a:lumMod val="105000"/>
+                <a:satMod val="109000"/>
+                <a:tint val="81000"/>
+              </a:schemeClr>
+            </a:gs>
+          </a:gsLst>
+          <a:lin ang="5400000" scaled="0"/>
+        </a:gradFill>
+        <a:gradFill rotWithShape="1">
+          <a:gsLst>
+            <a:gs pos="0">
+              <a:schemeClr val="phClr">
+                <a:satMod val="103000"/>
+                <a:lumMod val="102000"/>
+                <a:tint val="94000"/>
+              </a:schemeClr>
+            </a:gs>
+            <a:gs pos="50000">
+              <a:schemeClr val="phClr">
+                <a:satMod val="110000"/>
+                <a:lumMod val="100000"/>
+                <a:shade val="100000"/>
+              </a:schemeClr>
+            </a:gs>
+            <a:gs pos="100000">
+              <a:schemeClr val="phClr">
+                <a:lumMod val="99000"/>
+                <a:satMod val="120000"/>
+                <a:shade val="78000"/>
+              </a:schemeClr>
+            </a:gs>
+          </a:gsLst>
+          <a:lin ang="5400000" scaled="0"/>
+        </a:gradFill>
+      </a:fillStyleLst>
+      <a:lnStyleLst>
+        <a:ln w="6350" cap="flat" cmpd="sng" algn="ctr">
+          <a:solidFill>
+            <a:schemeClr val="phClr"/>
+          </a:solidFill>
+          <a:prstDash val="solid"/>
+          <a:miter lim="800000"/>
+        </a:ln>
+        <a:ln w="12700" cap="flat" cmpd="sng" algn="ctr">
+          <a:solidFill>
+            <a:schemeClr val="phClr"/>
+          </a:solidFill>
+          <a:prstDash val="solid"/>
+          <a:miter lim="800000"/>
+        </a:ln>
+        <a:ln w="19050" cap="flat" cmpd="sng" algn="ctr">
+          <a:solidFill>
+            <a:schemeClr val="phClr"/>
+          </a:solidFill>
+          <a:prstDash val="solid"/>
+          <a:miter lim="800000"/>
+        </a:ln>
+      </a:lnStyleLst>
+      <a:effectStyleLst>
+        <a:effectStyle>
+          <a:effectLst/>
+        </a:effectStyle>
+        <a:effectStyle>
+          <a:effectLst/>
+        </a:effectStyle>
+        <a:effectStyle>
+          <a:effectLst>
+            <a:outerShdw blurRad="57150" dist="19050" dir="5400000" algn="ctr" rotWithShape="0">
+              <a:srgbClr val="000000">
+                <a:alpha val="63000"/>
+              </a:srgbClr>
+            </a:outerShdw>
+          </a:effectLst>
+        </a:effectStyle>
+      </a:effectStyleLst>
+      <a:bgFillStyleLst>
+        <a:solidFill>
+          <a:schemeClr val="phClr"/>
+        </a:solidFill>
+        <a:solidFill>
+          <a:schemeClr val="phClr">
+            <a:tint val="95000"/>
+            <a:satMod val="170000"/>
+          </a:schemeClr>
+        </a:solidFill>
+        <a:gradFill rotWithShape="1">
+          <a:gsLst>
+            <a:gs pos="0">
+              <a:schemeClr val="phClr">
+                <a:tint val="93000"/>
+                <a:satMod val="150000"/>
+                <a:shade val="98000"/>
+                <a:lumMod val="102000"/>
+              </a:schemeClr>
+            </a:gs>
+            <a:gs pos="50000">
+              <a:schemeClr val="phClr">
+                <a:tint val="98000"/>
+                <a:satMod val="130000"/>
+                <a:shade val="90000"/>
+                <a:lumMod val="103000"/>
+              </a:schemeClr>
+            </a:gs>
+            <a:gs pos="100000">
+              <a:schemeClr val="phClr">
+                <a:shade val="63000"/>
+                <a:satMod val="120000"/>
+              </a:schemeClr>
+            </a:gs>
+          </a:gsLst>
+          <a:lin ang="5400000" scaled="0"/>
+        </a:gradFill>
+      </a:bgFillStyleLst>
+    </a:fmtScheme>
+  </a:themeElements>
+  <a:objectDefaults/>
+  <a:extraClrSchemeLst/>
+  <a:extLst>
+    <a:ext uri="{05A4C25C-085E-4340-85A3-A5531E510DB2}">
+      <thm15:themeFamily xmlns:thm15="http://schemas.microsoft.com/office/thememl/2012/main" name="Office Theme" id="{62F939B6-93AF-4DB8-9C6B-D6C7DFDC589F}" vid="{4A3C46E8-61CC-4603-A589-7422A47A8E4A}"/>
+    </a:ext>
+  </a:extLst>
+</a:theme>
 </file>